--- a/ssh/fig/fig.pptx
+++ b/ssh/fig/fig.pptx
@@ -5,14 +5,15 @@
     <p:sldMasterId id="2147483648" r:id="rId1"/>
   </p:sldMasterIdLst>
   <p:notesMasterIdLst>
-    <p:notesMasterId r:id="rId7"/>
+    <p:notesMasterId r:id="rId8"/>
   </p:notesMasterIdLst>
   <p:sldIdLst>
     <p:sldId id="256" r:id="rId2"/>
-    <p:sldId id="257" r:id="rId3"/>
-    <p:sldId id="259" r:id="rId4"/>
-    <p:sldId id="258" r:id="rId5"/>
-    <p:sldId id="260" r:id="rId6"/>
+    <p:sldId id="261" r:id="rId3"/>
+    <p:sldId id="257" r:id="rId4"/>
+    <p:sldId id="259" r:id="rId5"/>
+    <p:sldId id="258" r:id="rId6"/>
+    <p:sldId id="260" r:id="rId7"/>
   </p:sldIdLst>
   <p:sldSz cx="9144000" cy="6858000" type="screen4x3"/>
   <p:notesSz cx="6858000" cy="9144000"/>
@@ -216,7 +217,7 @@
             <a:fld id="{D2C63D3F-0352-EF45-A95C-C8137A1B6577}" type="datetimeFigureOut">
               <a:rPr lang="ja-JP" altLang="en-US" smtClean="0"/>
               <a:pPr/>
-              <a:t>2020/6/1</a:t>
+              <a:t>2020/6/2</a:t>
             </a:fld>
             <a:endParaRPr lang="ja-JP" altLang="en-US"/>
           </a:p>
@@ -1065,7 +1066,6 @@
               <a:rPr kumimoji="1" lang="ja-JP" altLang="en-US" sz="2400" dirty="0" smtClean="0"/>
               <a:t>サーバ</a:t>
             </a:r>
-            <a:endParaRPr kumimoji="1" lang="ja-JP" altLang="en-US" sz="2400" dirty="0" smtClean="0"/>
           </a:p>
         </p:txBody>
       </p:sp>
@@ -1224,42 +1224,9 @@
           <a:chExt cx="0" cy="0"/>
         </a:xfrm>
       </p:grpSpPr>
-      <p:sp>
-        <p:nvSpPr>
-          <p:cNvPr id="2" name="テキスト ボックス 1"/>
-          <p:cNvSpPr txBox="1"/>
-          <p:nvPr/>
-        </p:nvSpPr>
-        <p:spPr>
-          <a:xfrm>
-            <a:off x="3635896" y="188640"/>
-            <a:ext cx="1818126" cy="646331"/>
-          </a:xfrm>
-          <a:prstGeom prst="rect">
-            <a:avLst/>
-          </a:prstGeom>
-          <a:noFill/>
-        </p:spPr>
-        <p:txBody>
-          <a:bodyPr wrap="none" rtlCol="0">
-            <a:spAutoFit/>
-          </a:bodyPr>
-          <a:lstStyle/>
-          <a:p>
-            <a:r>
-              <a:rPr lang="ja-JP" altLang="en-US" sz="3600" dirty="0" smtClean="0"/>
-              <a:t>多段</a:t>
-            </a:r>
-            <a:r>
-              <a:rPr lang="en-US" altLang="ja-JP" sz="3600" dirty="0" smtClean="0"/>
-              <a:t>SSH</a:t>
-            </a:r>
-          </a:p>
-        </p:txBody>
-      </p:sp>
       <p:pic>
         <p:nvPicPr>
-          <p:cNvPr id="3" name="Picture 6" descr="サーバのイラスト（グレー）"/>
+          <p:cNvPr id="2" name="Picture 8" descr="パソコンを使う女性のイラスト"/>
           <p:cNvPicPr>
             <a:picLocks noChangeAspect="1" noChangeArrowheads="1"/>
           </p:cNvPicPr>
@@ -1280,8 +1247,8 @@
         </p:blipFill>
         <p:spPr bwMode="auto">
           <a:xfrm>
-            <a:off x="5220072" y="4221088"/>
-            <a:ext cx="978005" cy="1489348"/>
+            <a:off x="3851920" y="1340768"/>
+            <a:ext cx="1242927" cy="1249173"/>
           </a:xfrm>
           <a:prstGeom prst="rect">
             <a:avLst/>
@@ -1300,7 +1267,7 @@
       </p:pic>
       <p:pic>
         <p:nvPicPr>
-          <p:cNvPr id="4" name="Picture 8" descr="パソコンを使う女性のイラスト"/>
+          <p:cNvPr id="3" name="Picture 2" descr="サーバのイラスト（青）"/>
           <p:cNvPicPr>
             <a:picLocks noChangeAspect="1" noChangeArrowheads="1"/>
           </p:cNvPicPr>
@@ -1321,8 +1288,8 @@
         </p:blipFill>
         <p:spPr bwMode="auto">
           <a:xfrm>
-            <a:off x="1979712" y="2564904"/>
-            <a:ext cx="1656184" cy="1664507"/>
+            <a:off x="5652120" y="3933056"/>
+            <a:ext cx="756564" cy="1152128"/>
           </a:xfrm>
           <a:prstGeom prst="rect">
             <a:avLst/>
@@ -1339,192 +1306,9 @@
           </a:extLst>
         </p:spPr>
       </p:pic>
-      <p:sp>
-        <p:nvSpPr>
-          <p:cNvPr id="5" name="テキスト ボックス 4"/>
-          <p:cNvSpPr txBox="1"/>
-          <p:nvPr/>
-        </p:nvSpPr>
-        <p:spPr>
-          <a:xfrm>
-            <a:off x="5076056" y="5805264"/>
-            <a:ext cx="1096775" cy="461665"/>
-          </a:xfrm>
-          <a:prstGeom prst="rect">
-            <a:avLst/>
-          </a:prstGeom>
-          <a:noFill/>
-        </p:spPr>
-        <p:txBody>
-          <a:bodyPr wrap="none" rtlCol="0">
-            <a:spAutoFit/>
-          </a:bodyPr>
-          <a:lstStyle/>
-          <a:p>
-            <a:r>
-              <a:rPr kumimoji="1" lang="ja-JP" altLang="en-US" sz="2400" dirty="0" smtClean="0"/>
-              <a:t>サーバ</a:t>
-            </a:r>
-            <a:endParaRPr kumimoji="1" lang="ja-JP" altLang="en-US" sz="2400" dirty="0" smtClean="0"/>
-          </a:p>
-        </p:txBody>
-      </p:sp>
-      <p:sp>
-        <p:nvSpPr>
-          <p:cNvPr id="6" name="テキスト ボックス 5"/>
-          <p:cNvSpPr txBox="1"/>
-          <p:nvPr/>
-        </p:nvSpPr>
-        <p:spPr>
-          <a:xfrm>
-            <a:off x="2123728" y="4221088"/>
-            <a:ext cx="1085554" cy="461665"/>
-          </a:xfrm>
-          <a:prstGeom prst="rect">
-            <a:avLst/>
-          </a:prstGeom>
-          <a:noFill/>
-        </p:spPr>
-        <p:txBody>
-          <a:bodyPr wrap="none" rtlCol="0">
-            <a:spAutoFit/>
-          </a:bodyPr>
-          <a:lstStyle/>
-          <a:p>
-            <a:r>
-              <a:rPr lang="ja-JP" altLang="en-US" sz="2400" dirty="0"/>
-              <a:t>ユーザ</a:t>
-            </a:r>
-            <a:endParaRPr kumimoji="1" lang="ja-JP" altLang="en-US" sz="2400" dirty="0" smtClean="0"/>
-          </a:p>
-        </p:txBody>
-      </p:sp>
-      <p:sp>
-        <p:nvSpPr>
-          <p:cNvPr id="8" name="テキスト ボックス 7"/>
-          <p:cNvSpPr txBox="1"/>
-          <p:nvPr/>
-        </p:nvSpPr>
-        <p:spPr>
-          <a:xfrm>
-            <a:off x="5148064" y="2607295"/>
-            <a:ext cx="1067921" cy="461665"/>
-          </a:xfrm>
-          <a:prstGeom prst="rect">
-            <a:avLst/>
-          </a:prstGeom>
-          <a:noFill/>
-        </p:spPr>
-        <p:txBody>
-          <a:bodyPr wrap="none" rtlCol="0">
-            <a:spAutoFit/>
-          </a:bodyPr>
-          <a:lstStyle/>
-          <a:p>
-            <a:r>
-              <a:rPr kumimoji="1" lang="en-US" altLang="ja-JP" sz="2400" dirty="0" smtClean="0"/>
-              <a:t>GitHub</a:t>
-            </a:r>
-            <a:endParaRPr kumimoji="1" lang="ja-JP" altLang="en-US" sz="2400" dirty="0" smtClean="0"/>
-          </a:p>
-        </p:txBody>
-      </p:sp>
-      <p:sp>
-        <p:nvSpPr>
-          <p:cNvPr id="9" name="右矢印 8"/>
-          <p:cNvSpPr/>
-          <p:nvPr/>
-        </p:nvSpPr>
-        <p:spPr>
-          <a:xfrm rot="1800000">
-            <a:off x="3691514" y="4289210"/>
-            <a:ext cx="978408" cy="484632"/>
-          </a:xfrm>
-          <a:prstGeom prst="rightArrow">
-            <a:avLst/>
-          </a:prstGeom>
-          <a:ln>
-            <a:solidFill>
-              <a:schemeClr val="tx1"/>
-            </a:solidFill>
-          </a:ln>
-        </p:spPr>
-        <p:txBody>
-          <a:bodyPr wrap="square" rtlCol="0" anchor="ctr">
-            <a:spAutoFit/>
-          </a:bodyPr>
-          <a:lstStyle/>
-          <a:p>
-            <a:pPr algn="ctr"/>
-            <a:endParaRPr kumimoji="1" lang="ja-JP" altLang="en-US" sz="2400" dirty="0" smtClean="0"/>
-          </a:p>
-        </p:txBody>
-      </p:sp>
-      <p:sp>
-        <p:nvSpPr>
-          <p:cNvPr id="10" name="右矢印 9"/>
-          <p:cNvSpPr/>
-          <p:nvPr/>
-        </p:nvSpPr>
-        <p:spPr>
-          <a:xfrm rot="19347134">
-            <a:off x="3663954" y="2551819"/>
-            <a:ext cx="978408" cy="484632"/>
-          </a:xfrm>
-          <a:prstGeom prst="rightArrow">
-            <a:avLst/>
-          </a:prstGeom>
-          <a:ln>
-            <a:solidFill>
-              <a:schemeClr val="tx1"/>
-            </a:solidFill>
-          </a:ln>
-        </p:spPr>
-        <p:txBody>
-          <a:bodyPr wrap="square" rtlCol="0" anchor="ctr">
-            <a:spAutoFit/>
-          </a:bodyPr>
-          <a:lstStyle/>
-          <a:p>
-            <a:pPr algn="ctr"/>
-            <a:endParaRPr kumimoji="1" lang="ja-JP" altLang="en-US" sz="2400" dirty="0" smtClean="0"/>
-          </a:p>
-        </p:txBody>
-      </p:sp>
-      <p:sp>
-        <p:nvSpPr>
-          <p:cNvPr id="14" name="上矢印 13"/>
-          <p:cNvSpPr/>
-          <p:nvPr/>
-        </p:nvSpPr>
-        <p:spPr>
-          <a:xfrm>
-            <a:off x="5436096" y="3356992"/>
-            <a:ext cx="504056" cy="834392"/>
-          </a:xfrm>
-          <a:prstGeom prst="upArrow">
-            <a:avLst/>
-          </a:prstGeom>
-          <a:ln>
-            <a:solidFill>
-              <a:schemeClr val="tx1"/>
-            </a:solidFill>
-          </a:ln>
-        </p:spPr>
-        <p:txBody>
-          <a:bodyPr wrap="square" rtlCol="0" anchor="ctr">
-            <a:spAutoFit/>
-          </a:bodyPr>
-          <a:lstStyle/>
-          <a:p>
-            <a:pPr algn="ctr"/>
-            <a:endParaRPr kumimoji="1" lang="ja-JP" altLang="en-US" sz="2400" dirty="0" smtClean="0"/>
-          </a:p>
-        </p:txBody>
-      </p:sp>
       <p:pic>
         <p:nvPicPr>
-          <p:cNvPr id="15" name="Picture 2" descr="サーバのイラスト（青）"/>
+          <p:cNvPr id="4" name="Picture 6" descr="サーバのイラスト（グレー）"/>
           <p:cNvPicPr>
             <a:picLocks noChangeAspect="1" noChangeArrowheads="1"/>
           </p:cNvPicPr>
@@ -1545,8 +1329,8 @@
         </p:blipFill>
         <p:spPr bwMode="auto">
           <a:xfrm>
-            <a:off x="5220072" y="908720"/>
-            <a:ext cx="1008112" cy="1535196"/>
+            <a:off x="2483768" y="3895456"/>
+            <a:ext cx="733969" cy="1117720"/>
           </a:xfrm>
           <a:prstGeom prst="rect">
             <a:avLst/>
@@ -1563,10 +1347,257 @@
           </a:extLst>
         </p:spPr>
       </p:pic>
+      <p:sp>
+        <p:nvSpPr>
+          <p:cNvPr id="5" name="右矢印 4"/>
+          <p:cNvSpPr/>
+          <p:nvPr/>
+        </p:nvSpPr>
+        <p:spPr>
+          <a:xfrm rot="2700000">
+            <a:off x="5032107" y="2767842"/>
+            <a:ext cx="978408" cy="484632"/>
+          </a:xfrm>
+          <a:prstGeom prst="rightArrow">
+            <a:avLst/>
+          </a:prstGeom>
+          <a:ln>
+            <a:solidFill>
+              <a:schemeClr val="tx1"/>
+            </a:solidFill>
+          </a:ln>
+        </p:spPr>
+        <p:txBody>
+          <a:bodyPr wrap="square" rtlCol="0" anchor="ctr">
+            <a:spAutoFit/>
+          </a:bodyPr>
+          <a:lstStyle/>
+          <a:p>
+            <a:pPr algn="ctr"/>
+            <a:endParaRPr kumimoji="1" lang="ja-JP" altLang="en-US" sz="2400" dirty="0" smtClean="0"/>
+          </a:p>
+        </p:txBody>
+      </p:sp>
+      <p:sp>
+        <p:nvSpPr>
+          <p:cNvPr id="6" name="右矢印 5"/>
+          <p:cNvSpPr/>
+          <p:nvPr/>
+        </p:nvSpPr>
+        <p:spPr>
+          <a:xfrm rot="8100000">
+            <a:off x="3015883" y="2839850"/>
+            <a:ext cx="978408" cy="484632"/>
+          </a:xfrm>
+          <a:prstGeom prst="rightArrow">
+            <a:avLst/>
+          </a:prstGeom>
+          <a:ln>
+            <a:solidFill>
+              <a:schemeClr val="tx1"/>
+            </a:solidFill>
+          </a:ln>
+        </p:spPr>
+        <p:txBody>
+          <a:bodyPr wrap="square" rtlCol="0" anchor="ctr">
+            <a:spAutoFit/>
+          </a:bodyPr>
+          <a:lstStyle/>
+          <a:p>
+            <a:pPr algn="ctr"/>
+            <a:endParaRPr kumimoji="1" lang="ja-JP" altLang="en-US" sz="2400" dirty="0" smtClean="0"/>
+          </a:p>
+        </p:txBody>
+      </p:sp>
+      <p:sp>
+        <p:nvSpPr>
+          <p:cNvPr id="7" name="右矢印 6"/>
+          <p:cNvSpPr/>
+          <p:nvPr/>
+        </p:nvSpPr>
+        <p:spPr>
+          <a:xfrm>
+            <a:off x="4067944" y="4005064"/>
+            <a:ext cx="978408" cy="484632"/>
+          </a:xfrm>
+          <a:prstGeom prst="rightArrow">
+            <a:avLst/>
+          </a:prstGeom>
+          <a:ln>
+            <a:solidFill>
+              <a:schemeClr val="tx1"/>
+            </a:solidFill>
+          </a:ln>
+        </p:spPr>
+        <p:txBody>
+          <a:bodyPr wrap="square" rtlCol="0" anchor="ctr">
+            <a:spAutoFit/>
+          </a:bodyPr>
+          <a:lstStyle/>
+          <a:p>
+            <a:pPr algn="ctr"/>
+            <a:endParaRPr kumimoji="1" lang="ja-JP" altLang="en-US" sz="2400" dirty="0" smtClean="0"/>
+          </a:p>
+        </p:txBody>
+      </p:sp>
+      <p:sp>
+        <p:nvSpPr>
+          <p:cNvPr id="8" name="テキスト ボックス 7"/>
+          <p:cNvSpPr txBox="1"/>
+          <p:nvPr/>
+        </p:nvSpPr>
+        <p:spPr>
+          <a:xfrm>
+            <a:off x="2267744" y="3429000"/>
+            <a:ext cx="1096775" cy="461665"/>
+          </a:xfrm>
+          <a:prstGeom prst="rect">
+            <a:avLst/>
+          </a:prstGeom>
+          <a:noFill/>
+        </p:spPr>
+        <p:txBody>
+          <a:bodyPr wrap="none" rtlCol="0">
+            <a:spAutoFit/>
+          </a:bodyPr>
+          <a:lstStyle/>
+          <a:p>
+            <a:r>
+              <a:rPr kumimoji="1" lang="ja-JP" altLang="en-US" sz="2400" dirty="0" smtClean="0"/>
+              <a:t>サーバ</a:t>
+            </a:r>
+          </a:p>
+        </p:txBody>
+      </p:sp>
+      <p:sp>
+        <p:nvSpPr>
+          <p:cNvPr id="9" name="テキスト ボックス 8"/>
+          <p:cNvSpPr txBox="1"/>
+          <p:nvPr/>
+        </p:nvSpPr>
+        <p:spPr>
+          <a:xfrm>
+            <a:off x="5436096" y="3399383"/>
+            <a:ext cx="1067921" cy="461665"/>
+          </a:xfrm>
+          <a:prstGeom prst="rect">
+            <a:avLst/>
+          </a:prstGeom>
+          <a:noFill/>
+        </p:spPr>
+        <p:txBody>
+          <a:bodyPr wrap="none" rtlCol="0">
+            <a:spAutoFit/>
+          </a:bodyPr>
+          <a:lstStyle/>
+          <a:p>
+            <a:r>
+              <a:rPr kumimoji="1" lang="en-US" altLang="ja-JP" sz="2400" dirty="0" smtClean="0"/>
+              <a:t>GitHub</a:t>
+            </a:r>
+            <a:endParaRPr kumimoji="1" lang="ja-JP" altLang="en-US" sz="2400" dirty="0" smtClean="0"/>
+          </a:p>
+        </p:txBody>
+      </p:sp>
+      <p:sp>
+        <p:nvSpPr>
+          <p:cNvPr id="10" name="テキスト ボックス 9"/>
+          <p:cNvSpPr txBox="1"/>
+          <p:nvPr/>
+        </p:nvSpPr>
+        <p:spPr>
+          <a:xfrm>
+            <a:off x="1327256" y="5085184"/>
+            <a:ext cx="6845144" cy="830997"/>
+          </a:xfrm>
+          <a:prstGeom prst="rect">
+            <a:avLst/>
+          </a:prstGeom>
+          <a:noFill/>
+        </p:spPr>
+        <p:txBody>
+          <a:bodyPr wrap="none" rtlCol="0">
+            <a:spAutoFit/>
+          </a:bodyPr>
+          <a:lstStyle/>
+          <a:p>
+            <a:r>
+              <a:rPr lang="ja-JP" altLang="en-US" sz="2400" dirty="0" smtClean="0"/>
+              <a:t>ローカルマシンから</a:t>
+            </a:r>
+            <a:r>
+              <a:rPr lang="en-US" altLang="ja-JP" sz="2400" dirty="0" smtClean="0"/>
+              <a:t>GitHub</a:t>
+            </a:r>
+            <a:r>
+              <a:rPr lang="ja-JP" altLang="en-US" sz="2400" dirty="0" smtClean="0"/>
+              <a:t>にアクセスできる状態で、</a:t>
+            </a:r>
+            <a:endParaRPr lang="en-US" altLang="ja-JP" sz="2400" dirty="0" smtClean="0"/>
+          </a:p>
+          <a:p>
+            <a:r>
+              <a:rPr kumimoji="1" lang="ja-JP" altLang="en-US" sz="2400" dirty="0" smtClean="0"/>
+              <a:t>サーバ経由で</a:t>
+            </a:r>
+            <a:r>
+              <a:rPr kumimoji="1" lang="en-US" altLang="ja-JP" sz="2400" dirty="0" smtClean="0"/>
+              <a:t>GitHub</a:t>
+            </a:r>
+            <a:r>
+              <a:rPr kumimoji="1" lang="ja-JP" altLang="en-US" sz="2400" dirty="0" smtClean="0"/>
+              <a:t>にアクセスしたい</a:t>
+            </a:r>
+            <a:endParaRPr kumimoji="1" lang="ja-JP" altLang="en-US" sz="2400" dirty="0" smtClean="0"/>
+          </a:p>
+        </p:txBody>
+      </p:sp>
+      <p:sp>
+        <p:nvSpPr>
+          <p:cNvPr id="11" name="テキスト ボックス 10"/>
+          <p:cNvSpPr txBox="1"/>
+          <p:nvPr/>
+        </p:nvSpPr>
+        <p:spPr>
+          <a:xfrm>
+            <a:off x="2674133" y="406405"/>
+            <a:ext cx="3482043" cy="646331"/>
+          </a:xfrm>
+          <a:prstGeom prst="rect">
+            <a:avLst/>
+          </a:prstGeom>
+          <a:noFill/>
+        </p:spPr>
+        <p:txBody>
+          <a:bodyPr wrap="none" rtlCol="0">
+            <a:spAutoFit/>
+          </a:bodyPr>
+          <a:lstStyle/>
+          <a:p>
+            <a:r>
+              <a:rPr lang="ja-JP" altLang="en-US" sz="3600" dirty="0" smtClean="0"/>
+              <a:t>多段</a:t>
+            </a:r>
+            <a:r>
+              <a:rPr lang="en-US" altLang="ja-JP" sz="3600" dirty="0" smtClean="0"/>
+              <a:t>(</a:t>
+            </a:r>
+            <a:r>
+              <a:rPr lang="ja-JP" altLang="en-US" sz="3600" dirty="0" smtClean="0"/>
+              <a:t>踏み台</a:t>
+            </a:r>
+            <a:r>
+              <a:rPr lang="en-US" altLang="ja-JP" sz="3600" dirty="0" smtClean="0"/>
+              <a:t>)SSH</a:t>
+            </a:r>
+            <a:endParaRPr lang="en-US" altLang="ja-JP" sz="3600" dirty="0" smtClean="0"/>
+          </a:p>
+        </p:txBody>
+      </p:sp>
     </p:spTree>
     <p:extLst>
       <p:ext uri="{BB962C8B-B14F-4D97-AF65-F5344CB8AC3E}">
-        <p14:creationId xmlns:p14="http://schemas.microsoft.com/office/powerpoint/2010/main" val="1105200171"/>
+        <p14:creationId xmlns:p14="http://schemas.microsoft.com/office/powerpoint/2010/main" val="2395678685"/>
       </p:ext>
     </p:extLst>
   </p:cSld>
@@ -1601,8 +1632,8 @@
         </p:nvSpPr>
         <p:spPr>
           <a:xfrm>
-            <a:off x="971600" y="260648"/>
-            <a:ext cx="6482865" cy="461665"/>
+            <a:off x="3635896" y="118373"/>
+            <a:ext cx="1818126" cy="646331"/>
           </a:xfrm>
           <a:prstGeom prst="rect">
             <a:avLst/>
@@ -1616,24 +1647,19 @@
           <a:lstStyle/>
           <a:p>
             <a:r>
-              <a:rPr lang="ja-JP" altLang="en-US" sz="2400" dirty="0" smtClean="0"/>
-              <a:t>案</a:t>
-            </a:r>
-            <a:r>
-              <a:rPr lang="en-US" altLang="ja-JP" sz="2400" dirty="0" smtClean="0"/>
-              <a:t>1</a:t>
-            </a:r>
-            <a:r>
-              <a:rPr lang="ja-JP" altLang="en-US" sz="2400" dirty="0" smtClean="0"/>
-              <a:t>：サーバにローカルと同じ秘密鍵を置いておく</a:t>
-            </a:r>
-            <a:endParaRPr kumimoji="1" lang="ja-JP" altLang="en-US" sz="2400" dirty="0" smtClean="0"/>
+              <a:rPr lang="ja-JP" altLang="en-US" sz="3600" dirty="0" smtClean="0"/>
+              <a:t>多段</a:t>
+            </a:r>
+            <a:r>
+              <a:rPr lang="en-US" altLang="ja-JP" sz="3600" dirty="0" smtClean="0"/>
+              <a:t>SSH</a:t>
+            </a:r>
           </a:p>
         </p:txBody>
       </p:sp>
       <p:pic>
         <p:nvPicPr>
-          <p:cNvPr id="3" name="Picture 8" descr="パソコンを使う女性のイラスト"/>
+          <p:cNvPr id="3" name="Picture 6" descr="サーバのイラスト（グレー）"/>
           <p:cNvPicPr>
             <a:picLocks noChangeAspect="1" noChangeArrowheads="1"/>
           </p:cNvPicPr>
@@ -1654,8 +1680,8 @@
         </p:blipFill>
         <p:spPr bwMode="auto">
           <a:xfrm>
-            <a:off x="683568" y="1196752"/>
-            <a:ext cx="1255812" cy="1262123"/>
+            <a:off x="5220072" y="4221088"/>
+            <a:ext cx="978005" cy="1489348"/>
           </a:xfrm>
           <a:prstGeom prst="rect">
             <a:avLst/>
@@ -1674,7 +1700,7 @@
       </p:pic>
       <p:pic>
         <p:nvPicPr>
-          <p:cNvPr id="4" name="Picture 6" descr="サーバのイラスト（グレー）"/>
+          <p:cNvPr id="4" name="Picture 8" descr="パソコンを使う女性のイラスト"/>
           <p:cNvPicPr>
             <a:picLocks noChangeAspect="1" noChangeArrowheads="1"/>
           </p:cNvPicPr>
@@ -1695,8 +1721,8 @@
         </p:blipFill>
         <p:spPr bwMode="auto">
           <a:xfrm>
-            <a:off x="3923928" y="1268760"/>
-            <a:ext cx="741579" cy="1129308"/>
+            <a:off x="1979712" y="2564904"/>
+            <a:ext cx="1656184" cy="1664507"/>
           </a:xfrm>
           <a:prstGeom prst="rect">
             <a:avLst/>
@@ -1713,9 +1739,191 @@
           </a:extLst>
         </p:spPr>
       </p:pic>
+      <p:sp>
+        <p:nvSpPr>
+          <p:cNvPr id="5" name="テキスト ボックス 4"/>
+          <p:cNvSpPr txBox="1"/>
+          <p:nvPr/>
+        </p:nvSpPr>
+        <p:spPr>
+          <a:xfrm>
+            <a:off x="5076056" y="5805264"/>
+            <a:ext cx="1096775" cy="461665"/>
+          </a:xfrm>
+          <a:prstGeom prst="rect">
+            <a:avLst/>
+          </a:prstGeom>
+          <a:noFill/>
+        </p:spPr>
+        <p:txBody>
+          <a:bodyPr wrap="none" rtlCol="0">
+            <a:spAutoFit/>
+          </a:bodyPr>
+          <a:lstStyle/>
+          <a:p>
+            <a:r>
+              <a:rPr kumimoji="1" lang="ja-JP" altLang="en-US" sz="2400" dirty="0" smtClean="0"/>
+              <a:t>サーバ</a:t>
+            </a:r>
+          </a:p>
+        </p:txBody>
+      </p:sp>
+      <p:sp>
+        <p:nvSpPr>
+          <p:cNvPr id="6" name="テキスト ボックス 5"/>
+          <p:cNvSpPr txBox="1"/>
+          <p:nvPr/>
+        </p:nvSpPr>
+        <p:spPr>
+          <a:xfrm>
+            <a:off x="2123728" y="4221088"/>
+            <a:ext cx="1085554" cy="461665"/>
+          </a:xfrm>
+          <a:prstGeom prst="rect">
+            <a:avLst/>
+          </a:prstGeom>
+          <a:noFill/>
+        </p:spPr>
+        <p:txBody>
+          <a:bodyPr wrap="none" rtlCol="0">
+            <a:spAutoFit/>
+          </a:bodyPr>
+          <a:lstStyle/>
+          <a:p>
+            <a:r>
+              <a:rPr lang="ja-JP" altLang="en-US" sz="2400" dirty="0"/>
+              <a:t>ユーザ</a:t>
+            </a:r>
+            <a:endParaRPr kumimoji="1" lang="ja-JP" altLang="en-US" sz="2400" dirty="0" smtClean="0"/>
+          </a:p>
+        </p:txBody>
+      </p:sp>
+      <p:sp>
+        <p:nvSpPr>
+          <p:cNvPr id="8" name="テキスト ボックス 7"/>
+          <p:cNvSpPr txBox="1"/>
+          <p:nvPr/>
+        </p:nvSpPr>
+        <p:spPr>
+          <a:xfrm>
+            <a:off x="5148064" y="2607295"/>
+            <a:ext cx="1067921" cy="461665"/>
+          </a:xfrm>
+          <a:prstGeom prst="rect">
+            <a:avLst/>
+          </a:prstGeom>
+          <a:noFill/>
+        </p:spPr>
+        <p:txBody>
+          <a:bodyPr wrap="none" rtlCol="0">
+            <a:spAutoFit/>
+          </a:bodyPr>
+          <a:lstStyle/>
+          <a:p>
+            <a:r>
+              <a:rPr kumimoji="1" lang="en-US" altLang="ja-JP" sz="2400" dirty="0" smtClean="0"/>
+              <a:t>GitHub</a:t>
+            </a:r>
+            <a:endParaRPr kumimoji="1" lang="ja-JP" altLang="en-US" sz="2400" dirty="0" smtClean="0"/>
+          </a:p>
+        </p:txBody>
+      </p:sp>
+      <p:sp>
+        <p:nvSpPr>
+          <p:cNvPr id="9" name="右矢印 8"/>
+          <p:cNvSpPr/>
+          <p:nvPr/>
+        </p:nvSpPr>
+        <p:spPr>
+          <a:xfrm rot="1800000">
+            <a:off x="3691514" y="4289210"/>
+            <a:ext cx="978408" cy="484632"/>
+          </a:xfrm>
+          <a:prstGeom prst="rightArrow">
+            <a:avLst/>
+          </a:prstGeom>
+          <a:ln>
+            <a:solidFill>
+              <a:schemeClr val="tx1"/>
+            </a:solidFill>
+          </a:ln>
+        </p:spPr>
+        <p:txBody>
+          <a:bodyPr wrap="square" rtlCol="0" anchor="ctr">
+            <a:spAutoFit/>
+          </a:bodyPr>
+          <a:lstStyle/>
+          <a:p>
+            <a:pPr algn="ctr"/>
+            <a:endParaRPr kumimoji="1" lang="ja-JP" altLang="en-US" sz="2400" dirty="0" smtClean="0"/>
+          </a:p>
+        </p:txBody>
+      </p:sp>
+      <p:sp>
+        <p:nvSpPr>
+          <p:cNvPr id="10" name="右矢印 9"/>
+          <p:cNvSpPr/>
+          <p:nvPr/>
+        </p:nvSpPr>
+        <p:spPr>
+          <a:xfrm rot="19347134">
+            <a:off x="3663954" y="2551819"/>
+            <a:ext cx="978408" cy="484632"/>
+          </a:xfrm>
+          <a:prstGeom prst="rightArrow">
+            <a:avLst/>
+          </a:prstGeom>
+          <a:ln>
+            <a:solidFill>
+              <a:schemeClr val="tx1"/>
+            </a:solidFill>
+          </a:ln>
+        </p:spPr>
+        <p:txBody>
+          <a:bodyPr wrap="square" rtlCol="0" anchor="ctr">
+            <a:spAutoFit/>
+          </a:bodyPr>
+          <a:lstStyle/>
+          <a:p>
+            <a:pPr algn="ctr"/>
+            <a:endParaRPr kumimoji="1" lang="ja-JP" altLang="en-US" sz="2400" dirty="0" smtClean="0"/>
+          </a:p>
+        </p:txBody>
+      </p:sp>
+      <p:sp>
+        <p:nvSpPr>
+          <p:cNvPr id="14" name="上矢印 13"/>
+          <p:cNvSpPr/>
+          <p:nvPr/>
+        </p:nvSpPr>
+        <p:spPr>
+          <a:xfrm>
+            <a:off x="5436096" y="3356992"/>
+            <a:ext cx="504056" cy="834392"/>
+          </a:xfrm>
+          <a:prstGeom prst="upArrow">
+            <a:avLst/>
+          </a:prstGeom>
+          <a:ln>
+            <a:solidFill>
+              <a:schemeClr val="tx1"/>
+            </a:solidFill>
+          </a:ln>
+        </p:spPr>
+        <p:txBody>
+          <a:bodyPr wrap="square" rtlCol="0" anchor="ctr">
+            <a:spAutoFit/>
+          </a:bodyPr>
+          <a:lstStyle/>
+          <a:p>
+            <a:pPr algn="ctr"/>
+            <a:endParaRPr kumimoji="1" lang="ja-JP" altLang="en-US" sz="2400" dirty="0" smtClean="0"/>
+          </a:p>
+        </p:txBody>
+      </p:sp>
       <p:pic>
         <p:nvPicPr>
-          <p:cNvPr id="5" name="Picture 2" descr="サーバのイラスト（青）"/>
+          <p:cNvPr id="15" name="Picture 2" descr="サーバのイラスト（青）"/>
           <p:cNvPicPr>
             <a:picLocks noChangeAspect="1" noChangeArrowheads="1"/>
           </p:cNvPicPr>
@@ -1736,8 +1944,8 @@
         </p:blipFill>
         <p:spPr bwMode="auto">
           <a:xfrm>
-            <a:off x="6948264" y="1196752"/>
-            <a:ext cx="756564" cy="1152128"/>
+            <a:off x="5220072" y="908720"/>
+            <a:ext cx="1008112" cy="1535196"/>
           </a:xfrm>
           <a:prstGeom prst="rect">
             <a:avLst/>
@@ -1754,397 +1962,10 @@
           </a:extLst>
         </p:spPr>
       </p:pic>
-      <p:pic>
-        <p:nvPicPr>
-          <p:cNvPr id="6" name="Picture 2" descr="家の鍵のイラスト（ディスクシリンダー）"/>
-          <p:cNvPicPr>
-            <a:picLocks noChangeAspect="1" noChangeArrowheads="1"/>
-          </p:cNvPicPr>
-          <p:nvPr/>
-        </p:nvPicPr>
-        <p:blipFill>
-          <a:blip r:embed="rId5">
-            <a:extLst>
-              <a:ext uri="{28A0092B-C50C-407E-A947-70E740481C1C}">
-                <a14:useLocalDpi xmlns:a14="http://schemas.microsoft.com/office/drawing/2010/main" val="0"/>
-              </a:ext>
-            </a:extLst>
-          </a:blip>
-          <a:srcRect/>
-          <a:stretch>
-            <a:fillRect/>
-          </a:stretch>
-        </p:blipFill>
-        <p:spPr bwMode="auto">
-          <a:xfrm>
-            <a:off x="827584" y="3212976"/>
-            <a:ext cx="780087" cy="780087"/>
-          </a:xfrm>
-          <a:prstGeom prst="rect">
-            <a:avLst/>
-          </a:prstGeom>
-          <a:noFill/>
-          <a:extLst>
-            <a:ext uri="{909E8E84-426E-40DD-AFC4-6F175D3DCCD1}">
-              <a14:hiddenFill xmlns:a14="http://schemas.microsoft.com/office/drawing/2010/main">
-                <a:solidFill>
-                  <a:srgbClr val="FFFFFF"/>
-                </a:solidFill>
-              </a14:hiddenFill>
-            </a:ext>
-          </a:extLst>
-        </p:spPr>
-      </p:pic>
-      <p:pic>
-        <p:nvPicPr>
-          <p:cNvPr id="7" name="Picture 4" descr="シンプルな南京錠のイラスト"/>
-          <p:cNvPicPr>
-            <a:picLocks noChangeAspect="1" noChangeArrowheads="1"/>
-          </p:cNvPicPr>
-          <p:nvPr/>
-        </p:nvPicPr>
-        <p:blipFill>
-          <a:blip r:embed="rId6">
-            <a:extLst>
-              <a:ext uri="{28A0092B-C50C-407E-A947-70E740481C1C}">
-                <a14:useLocalDpi xmlns:a14="http://schemas.microsoft.com/office/drawing/2010/main" val="0"/>
-              </a:ext>
-            </a:extLst>
-          </a:blip>
-          <a:srcRect/>
-          <a:stretch>
-            <a:fillRect/>
-          </a:stretch>
-        </p:blipFill>
-        <p:spPr bwMode="auto">
-          <a:xfrm>
-            <a:off x="3779912" y="3068960"/>
-            <a:ext cx="936104" cy="936104"/>
-          </a:xfrm>
-          <a:prstGeom prst="rect">
-            <a:avLst/>
-          </a:prstGeom>
-          <a:noFill/>
-          <a:extLst>
-            <a:ext uri="{909E8E84-426E-40DD-AFC4-6F175D3DCCD1}">
-              <a14:hiddenFill xmlns:a14="http://schemas.microsoft.com/office/drawing/2010/main">
-                <a:solidFill>
-                  <a:srgbClr val="FFFFFF"/>
-                </a:solidFill>
-              </a14:hiddenFill>
-            </a:ext>
-          </a:extLst>
-        </p:spPr>
-      </p:pic>
-      <p:sp>
-        <p:nvSpPr>
-          <p:cNvPr id="10" name="左右矢印 9"/>
-          <p:cNvSpPr/>
-          <p:nvPr/>
-        </p:nvSpPr>
-        <p:spPr>
-          <a:xfrm>
-            <a:off x="2051720" y="3356992"/>
-            <a:ext cx="1512168" cy="576064"/>
-          </a:xfrm>
-          <a:prstGeom prst="leftRightArrow">
-            <a:avLst/>
-          </a:prstGeom>
-          <a:ln>
-            <a:solidFill>
-              <a:schemeClr val="tx1"/>
-            </a:solidFill>
-          </a:ln>
-        </p:spPr>
-        <p:txBody>
-          <a:bodyPr wrap="square" rtlCol="0" anchor="ctr">
-            <a:spAutoFit/>
-          </a:bodyPr>
-          <a:lstStyle/>
-          <a:p>
-            <a:pPr algn="ctr"/>
-            <a:endParaRPr kumimoji="1" lang="ja-JP" altLang="en-US" sz="2400" dirty="0" smtClean="0"/>
-          </a:p>
-        </p:txBody>
-      </p:sp>
-      <p:pic>
-        <p:nvPicPr>
-          <p:cNvPr id="12" name="Picture 4" descr="シンプルな南京錠のイラスト"/>
-          <p:cNvPicPr>
-            <a:picLocks noChangeAspect="1" noChangeArrowheads="1"/>
-          </p:cNvPicPr>
-          <p:nvPr/>
-        </p:nvPicPr>
-        <p:blipFill>
-          <a:blip r:embed="rId6">
-            <a:extLst>
-              <a:ext uri="{28A0092B-C50C-407E-A947-70E740481C1C}">
-                <a14:useLocalDpi xmlns:a14="http://schemas.microsoft.com/office/drawing/2010/main" val="0"/>
-              </a:ext>
-            </a:extLst>
-          </a:blip>
-          <a:srcRect/>
-          <a:stretch>
-            <a:fillRect/>
-          </a:stretch>
-        </p:blipFill>
-        <p:spPr bwMode="auto">
-          <a:xfrm>
-            <a:off x="6876256" y="3068960"/>
-            <a:ext cx="936104" cy="936104"/>
-          </a:xfrm>
-          <a:prstGeom prst="rect">
-            <a:avLst/>
-          </a:prstGeom>
-          <a:noFill/>
-          <a:extLst>
-            <a:ext uri="{909E8E84-426E-40DD-AFC4-6F175D3DCCD1}">
-              <a14:hiddenFill xmlns:a14="http://schemas.microsoft.com/office/drawing/2010/main">
-                <a:solidFill>
-                  <a:srgbClr val="FFFFFF"/>
-                </a:solidFill>
-              </a14:hiddenFill>
-            </a:ext>
-          </a:extLst>
-        </p:spPr>
-      </p:pic>
-      <p:sp>
-        <p:nvSpPr>
-          <p:cNvPr id="13" name="テキスト ボックス 12"/>
-          <p:cNvSpPr txBox="1"/>
-          <p:nvPr/>
-        </p:nvSpPr>
-        <p:spPr>
-          <a:xfrm>
-            <a:off x="683568" y="2420888"/>
-            <a:ext cx="1085554" cy="461665"/>
-          </a:xfrm>
-          <a:prstGeom prst="rect">
-            <a:avLst/>
-          </a:prstGeom>
-          <a:noFill/>
-        </p:spPr>
-        <p:txBody>
-          <a:bodyPr wrap="none" rtlCol="0">
-            <a:spAutoFit/>
-          </a:bodyPr>
-          <a:lstStyle/>
-          <a:p>
-            <a:r>
-              <a:rPr lang="ja-JP" altLang="en-US" sz="2400" dirty="0"/>
-              <a:t>ユーザ</a:t>
-            </a:r>
-            <a:endParaRPr kumimoji="1" lang="ja-JP" altLang="en-US" sz="2400" dirty="0" smtClean="0"/>
-          </a:p>
-        </p:txBody>
-      </p:sp>
-      <p:sp>
-        <p:nvSpPr>
-          <p:cNvPr id="14" name="テキスト ボックス 13"/>
-          <p:cNvSpPr txBox="1"/>
-          <p:nvPr/>
-        </p:nvSpPr>
-        <p:spPr>
-          <a:xfrm>
-            <a:off x="3707904" y="2420888"/>
-            <a:ext cx="1096775" cy="461665"/>
-          </a:xfrm>
-          <a:prstGeom prst="rect">
-            <a:avLst/>
-          </a:prstGeom>
-          <a:noFill/>
-        </p:spPr>
-        <p:txBody>
-          <a:bodyPr wrap="none" rtlCol="0">
-            <a:spAutoFit/>
-          </a:bodyPr>
-          <a:lstStyle/>
-          <a:p>
-            <a:r>
-              <a:rPr kumimoji="1" lang="ja-JP" altLang="en-US" sz="2400" dirty="0" smtClean="0"/>
-              <a:t>サーバ</a:t>
-            </a:r>
-            <a:endParaRPr kumimoji="1" lang="ja-JP" altLang="en-US" sz="2400" dirty="0" smtClean="0"/>
-          </a:p>
-        </p:txBody>
-      </p:sp>
-      <p:sp>
-        <p:nvSpPr>
-          <p:cNvPr id="15" name="テキスト ボックス 14"/>
-          <p:cNvSpPr txBox="1"/>
-          <p:nvPr/>
-        </p:nvSpPr>
-        <p:spPr>
-          <a:xfrm>
-            <a:off x="6732240" y="2420888"/>
-            <a:ext cx="1067921" cy="461665"/>
-          </a:xfrm>
-          <a:prstGeom prst="rect">
-            <a:avLst/>
-          </a:prstGeom>
-          <a:noFill/>
-        </p:spPr>
-        <p:txBody>
-          <a:bodyPr wrap="none" rtlCol="0">
-            <a:spAutoFit/>
-          </a:bodyPr>
-          <a:lstStyle/>
-          <a:p>
-            <a:r>
-              <a:rPr kumimoji="1" lang="en-US" altLang="ja-JP" sz="2400" dirty="0" smtClean="0"/>
-              <a:t>GitHub</a:t>
-            </a:r>
-            <a:endParaRPr kumimoji="1" lang="ja-JP" altLang="en-US" sz="2400" dirty="0" smtClean="0"/>
-          </a:p>
-        </p:txBody>
-      </p:sp>
-      <p:pic>
-        <p:nvPicPr>
-          <p:cNvPr id="16" name="Picture 2" descr="家の鍵のイラスト（ディスクシリンダー）"/>
-          <p:cNvPicPr>
-            <a:picLocks noChangeAspect="1" noChangeArrowheads="1"/>
-          </p:cNvPicPr>
-          <p:nvPr/>
-        </p:nvPicPr>
-        <p:blipFill>
-          <a:blip r:embed="rId5">
-            <a:extLst>
-              <a:ext uri="{28A0092B-C50C-407E-A947-70E740481C1C}">
-                <a14:useLocalDpi xmlns:a14="http://schemas.microsoft.com/office/drawing/2010/main" val="0"/>
-              </a:ext>
-            </a:extLst>
-          </a:blip>
-          <a:srcRect/>
-          <a:stretch>
-            <a:fillRect/>
-          </a:stretch>
-        </p:blipFill>
-        <p:spPr bwMode="auto">
-          <a:xfrm>
-            <a:off x="3851920" y="4221088"/>
-            <a:ext cx="780087" cy="780087"/>
-          </a:xfrm>
-          <a:prstGeom prst="rect">
-            <a:avLst/>
-          </a:prstGeom>
-          <a:noFill/>
-          <a:extLst>
-            <a:ext uri="{909E8E84-426E-40DD-AFC4-6F175D3DCCD1}">
-              <a14:hiddenFill xmlns:a14="http://schemas.microsoft.com/office/drawing/2010/main">
-                <a:solidFill>
-                  <a:srgbClr val="FFFFFF"/>
-                </a:solidFill>
-              </a14:hiddenFill>
-            </a:ext>
-          </a:extLst>
-        </p:spPr>
-      </p:pic>
-      <p:sp>
-        <p:nvSpPr>
-          <p:cNvPr id="17" name="左右矢印 16"/>
-          <p:cNvSpPr/>
-          <p:nvPr/>
-        </p:nvSpPr>
-        <p:spPr>
-          <a:xfrm rot="20700000">
-            <a:off x="5052833" y="3902907"/>
-            <a:ext cx="1512168" cy="576064"/>
-          </a:xfrm>
-          <a:prstGeom prst="leftRightArrow">
-            <a:avLst/>
-          </a:prstGeom>
-          <a:ln>
-            <a:solidFill>
-              <a:schemeClr val="tx1"/>
-            </a:solidFill>
-          </a:ln>
-        </p:spPr>
-        <p:txBody>
-          <a:bodyPr wrap="square" rtlCol="0" anchor="ctr">
-            <a:spAutoFit/>
-          </a:bodyPr>
-          <a:lstStyle/>
-          <a:p>
-            <a:pPr algn="ctr"/>
-            <a:endParaRPr kumimoji="1" lang="ja-JP" altLang="en-US" sz="2400" dirty="0" smtClean="0"/>
-          </a:p>
-        </p:txBody>
-      </p:sp>
-      <p:pic>
-        <p:nvPicPr>
-          <p:cNvPr id="4098" name="Picture 2" descr="「ダメ」のポーズをする人のイラスト（女性）"/>
-          <p:cNvPicPr>
-            <a:picLocks noChangeAspect="1" noChangeArrowheads="1"/>
-          </p:cNvPicPr>
-          <p:nvPr/>
-        </p:nvPicPr>
-        <p:blipFill>
-          <a:blip r:embed="rId7">
-            <a:extLst>
-              <a:ext uri="{28A0092B-C50C-407E-A947-70E740481C1C}">
-                <a14:useLocalDpi xmlns:a14="http://schemas.microsoft.com/office/drawing/2010/main" val="0"/>
-              </a:ext>
-            </a:extLst>
-          </a:blip>
-          <a:srcRect/>
-          <a:stretch>
-            <a:fillRect/>
-          </a:stretch>
-        </p:blipFill>
-        <p:spPr bwMode="auto">
-          <a:xfrm>
-            <a:off x="1259632" y="5136232"/>
-            <a:ext cx="1437676" cy="1721768"/>
-          </a:xfrm>
-          <a:prstGeom prst="rect">
-            <a:avLst/>
-          </a:prstGeom>
-          <a:noFill/>
-          <a:extLst>
-            <a:ext uri="{909E8E84-426E-40DD-AFC4-6F175D3DCCD1}">
-              <a14:hiddenFill xmlns:a14="http://schemas.microsoft.com/office/drawing/2010/main">
-                <a:solidFill>
-                  <a:srgbClr val="FFFFFF"/>
-                </a:solidFill>
-              </a14:hiddenFill>
-            </a:ext>
-          </a:extLst>
-        </p:spPr>
-      </p:pic>
-      <p:sp>
-        <p:nvSpPr>
-          <p:cNvPr id="18" name="テキスト ボックス 17"/>
-          <p:cNvSpPr txBox="1"/>
-          <p:nvPr/>
-        </p:nvSpPr>
-        <p:spPr>
-          <a:xfrm>
-            <a:off x="2987824" y="5733256"/>
-            <a:ext cx="3392275" cy="646331"/>
-          </a:xfrm>
-          <a:prstGeom prst="rect">
-            <a:avLst/>
-          </a:prstGeom>
-          <a:noFill/>
-        </p:spPr>
-        <p:txBody>
-          <a:bodyPr wrap="none" rtlCol="0">
-            <a:spAutoFit/>
-          </a:bodyPr>
-          <a:lstStyle/>
-          <a:p>
-            <a:r>
-              <a:rPr kumimoji="1" lang="ja-JP" altLang="en-US" sz="3600" dirty="0" smtClean="0"/>
-              <a:t>ダメ！ゼッタイ！</a:t>
-            </a:r>
-            <a:endParaRPr kumimoji="1" lang="ja-JP" altLang="en-US" sz="3600" dirty="0" smtClean="0"/>
-          </a:p>
-        </p:txBody>
-      </p:sp>
     </p:spTree>
     <p:extLst>
       <p:ext uri="{BB962C8B-B14F-4D97-AF65-F5344CB8AC3E}">
-        <p14:creationId xmlns:p14="http://schemas.microsoft.com/office/powerpoint/2010/main" val="2914415932"/>
+        <p14:creationId xmlns:p14="http://schemas.microsoft.com/office/powerpoint/2010/main" val="1105200171"/>
       </p:ext>
     </p:extLst>
   </p:cSld>
@@ -2171,9 +1992,47 @@
           <a:chExt cx="0" cy="0"/>
         </a:xfrm>
       </p:grpSpPr>
+      <p:sp>
+        <p:nvSpPr>
+          <p:cNvPr id="2" name="テキスト ボックス 1"/>
+          <p:cNvSpPr txBox="1"/>
+          <p:nvPr/>
+        </p:nvSpPr>
+        <p:spPr>
+          <a:xfrm>
+            <a:off x="971600" y="260648"/>
+            <a:ext cx="6482865" cy="461665"/>
+          </a:xfrm>
+          <a:prstGeom prst="rect">
+            <a:avLst/>
+          </a:prstGeom>
+          <a:noFill/>
+        </p:spPr>
+        <p:txBody>
+          <a:bodyPr wrap="none" rtlCol="0">
+            <a:spAutoFit/>
+          </a:bodyPr>
+          <a:lstStyle/>
+          <a:p>
+            <a:r>
+              <a:rPr lang="ja-JP" altLang="en-US" sz="2400" dirty="0" smtClean="0"/>
+              <a:t>案</a:t>
+            </a:r>
+            <a:r>
+              <a:rPr lang="en-US" altLang="ja-JP" sz="2400" dirty="0" smtClean="0"/>
+              <a:t>1</a:t>
+            </a:r>
+            <a:r>
+              <a:rPr lang="ja-JP" altLang="en-US" sz="2400" dirty="0" smtClean="0"/>
+              <a:t>：サーバにローカルと同じ秘密鍵を置いておく</a:t>
+            </a:r>
+            <a:endParaRPr kumimoji="1" lang="ja-JP" altLang="en-US" sz="2400" dirty="0" smtClean="0"/>
+          </a:p>
+        </p:txBody>
+      </p:sp>
       <p:pic>
         <p:nvPicPr>
-          <p:cNvPr id="2" name="Picture 8" descr="パソコンを使う女性のイラスト"/>
+          <p:cNvPr id="3" name="Picture 8" descr="パソコンを使う女性のイラスト"/>
           <p:cNvPicPr>
             <a:picLocks noChangeAspect="1" noChangeArrowheads="1"/>
           </p:cNvPicPr>
@@ -2214,7 +2073,7 @@
       </p:pic>
       <p:pic>
         <p:nvPicPr>
-          <p:cNvPr id="3" name="Picture 6" descr="サーバのイラスト（グレー）"/>
+          <p:cNvPr id="4" name="Picture 6" descr="サーバのイラスト（グレー）"/>
           <p:cNvPicPr>
             <a:picLocks noChangeAspect="1" noChangeArrowheads="1"/>
           </p:cNvPicPr>
@@ -2255,7 +2114,7 @@
       </p:pic>
       <p:pic>
         <p:nvPicPr>
-          <p:cNvPr id="2050" name="Picture 2" descr="サーバのイラスト（青）"/>
+          <p:cNvPr id="5" name="Picture 2" descr="サーバのイラスト（青）"/>
           <p:cNvPicPr>
             <a:picLocks noChangeAspect="1" noChangeArrowheads="1"/>
           </p:cNvPicPr>
@@ -2294,47 +2153,9 @@
           </a:extLst>
         </p:spPr>
       </p:pic>
-      <p:sp>
-        <p:nvSpPr>
-          <p:cNvPr id="5" name="テキスト ボックス 4"/>
-          <p:cNvSpPr txBox="1"/>
-          <p:nvPr/>
-        </p:nvSpPr>
-        <p:spPr>
-          <a:xfrm>
-            <a:off x="251520" y="303039"/>
-            <a:ext cx="8545929" cy="461665"/>
-          </a:xfrm>
-          <a:prstGeom prst="rect">
-            <a:avLst/>
-          </a:prstGeom>
-          <a:noFill/>
-        </p:spPr>
-        <p:txBody>
-          <a:bodyPr wrap="none" rtlCol="0">
-            <a:spAutoFit/>
-          </a:bodyPr>
-          <a:lstStyle/>
-          <a:p>
-            <a:r>
-              <a:rPr lang="ja-JP" altLang="en-US" sz="2400" dirty="0" smtClean="0"/>
-              <a:t>案</a:t>
-            </a:r>
-            <a:r>
-              <a:rPr lang="en-US" altLang="ja-JP" sz="2400" dirty="0" smtClean="0"/>
-              <a:t>2</a:t>
-            </a:r>
-            <a:r>
-              <a:rPr lang="ja-JP" altLang="en-US" sz="2400" dirty="0" smtClean="0"/>
-              <a:t>：サーバに別の秘密鍵を置き、対応する公開鍵を登録しておく</a:t>
-            </a:r>
-            <a:endParaRPr kumimoji="1" lang="ja-JP" altLang="en-US" sz="2400" dirty="0" smtClean="0"/>
-          </a:p>
-        </p:txBody>
-      </p:sp>
       <p:pic>
         <p:nvPicPr>
-          <p:cNvPr id="7" name="Picture 2" descr="家の鍵のイラスト（ディスクシリンダー）"/>
+          <p:cNvPr id="6" name="Picture 2" descr="家の鍵のイラスト（ディスクシリンダー）"/>
           <p:cNvPicPr>
             <a:picLocks noChangeAspect="1" noChangeArrowheads="1"/>
           </p:cNvPicPr>
@@ -2375,7 +2196,7 @@
       </p:pic>
       <p:pic>
         <p:nvPicPr>
-          <p:cNvPr id="8" name="Picture 4" descr="シンプルな南京錠のイラスト"/>
+          <p:cNvPr id="7" name="Picture 4" descr="シンプルな南京錠のイラスト"/>
           <p:cNvPicPr>
             <a:picLocks noChangeAspect="1" noChangeArrowheads="1"/>
           </p:cNvPicPr>
@@ -2414,9 +2235,242 @@
           </a:extLst>
         </p:spPr>
       </p:pic>
+      <p:sp>
+        <p:nvSpPr>
+          <p:cNvPr id="10" name="左右矢印 9"/>
+          <p:cNvSpPr/>
+          <p:nvPr/>
+        </p:nvSpPr>
+        <p:spPr>
+          <a:xfrm>
+            <a:off x="2051720" y="3356992"/>
+            <a:ext cx="1512168" cy="576064"/>
+          </a:xfrm>
+          <a:prstGeom prst="leftRightArrow">
+            <a:avLst/>
+          </a:prstGeom>
+          <a:ln>
+            <a:solidFill>
+              <a:schemeClr val="tx1"/>
+            </a:solidFill>
+          </a:ln>
+        </p:spPr>
+        <p:txBody>
+          <a:bodyPr wrap="square" rtlCol="0" anchor="ctr">
+            <a:spAutoFit/>
+          </a:bodyPr>
+          <a:lstStyle/>
+          <a:p>
+            <a:pPr algn="ctr"/>
+            <a:endParaRPr kumimoji="1" lang="ja-JP" altLang="en-US" sz="2400" dirty="0" smtClean="0"/>
+          </a:p>
+        </p:txBody>
+      </p:sp>
       <p:pic>
         <p:nvPicPr>
-          <p:cNvPr id="2052" name="Picture 4" descr="鍵のイラスト"/>
+          <p:cNvPr id="12" name="Picture 4" descr="シンプルな南京錠のイラスト"/>
+          <p:cNvPicPr>
+            <a:picLocks noChangeAspect="1" noChangeArrowheads="1"/>
+          </p:cNvPicPr>
+          <p:nvPr/>
+        </p:nvPicPr>
+        <p:blipFill>
+          <a:blip r:embed="rId6">
+            <a:extLst>
+              <a:ext uri="{28A0092B-C50C-407E-A947-70E740481C1C}">
+                <a14:useLocalDpi xmlns:a14="http://schemas.microsoft.com/office/drawing/2010/main" val="0"/>
+              </a:ext>
+            </a:extLst>
+          </a:blip>
+          <a:srcRect/>
+          <a:stretch>
+            <a:fillRect/>
+          </a:stretch>
+        </p:blipFill>
+        <p:spPr bwMode="auto">
+          <a:xfrm>
+            <a:off x="6876256" y="3068960"/>
+            <a:ext cx="936104" cy="936104"/>
+          </a:xfrm>
+          <a:prstGeom prst="rect">
+            <a:avLst/>
+          </a:prstGeom>
+          <a:noFill/>
+          <a:extLst>
+            <a:ext uri="{909E8E84-426E-40DD-AFC4-6F175D3DCCD1}">
+              <a14:hiddenFill xmlns:a14="http://schemas.microsoft.com/office/drawing/2010/main">
+                <a:solidFill>
+                  <a:srgbClr val="FFFFFF"/>
+                </a:solidFill>
+              </a14:hiddenFill>
+            </a:ext>
+          </a:extLst>
+        </p:spPr>
+      </p:pic>
+      <p:sp>
+        <p:nvSpPr>
+          <p:cNvPr id="13" name="テキスト ボックス 12"/>
+          <p:cNvSpPr txBox="1"/>
+          <p:nvPr/>
+        </p:nvSpPr>
+        <p:spPr>
+          <a:xfrm>
+            <a:off x="683568" y="2420888"/>
+            <a:ext cx="1085554" cy="461665"/>
+          </a:xfrm>
+          <a:prstGeom prst="rect">
+            <a:avLst/>
+          </a:prstGeom>
+          <a:noFill/>
+        </p:spPr>
+        <p:txBody>
+          <a:bodyPr wrap="none" rtlCol="0">
+            <a:spAutoFit/>
+          </a:bodyPr>
+          <a:lstStyle/>
+          <a:p>
+            <a:r>
+              <a:rPr lang="ja-JP" altLang="en-US" sz="2400" dirty="0"/>
+              <a:t>ユーザ</a:t>
+            </a:r>
+            <a:endParaRPr kumimoji="1" lang="ja-JP" altLang="en-US" sz="2400" dirty="0" smtClean="0"/>
+          </a:p>
+        </p:txBody>
+      </p:sp>
+      <p:sp>
+        <p:nvSpPr>
+          <p:cNvPr id="14" name="テキスト ボックス 13"/>
+          <p:cNvSpPr txBox="1"/>
+          <p:nvPr/>
+        </p:nvSpPr>
+        <p:spPr>
+          <a:xfrm>
+            <a:off x="3707904" y="2420888"/>
+            <a:ext cx="1096775" cy="461665"/>
+          </a:xfrm>
+          <a:prstGeom prst="rect">
+            <a:avLst/>
+          </a:prstGeom>
+          <a:noFill/>
+        </p:spPr>
+        <p:txBody>
+          <a:bodyPr wrap="none" rtlCol="0">
+            <a:spAutoFit/>
+          </a:bodyPr>
+          <a:lstStyle/>
+          <a:p>
+            <a:r>
+              <a:rPr kumimoji="1" lang="ja-JP" altLang="en-US" sz="2400" dirty="0" smtClean="0"/>
+              <a:t>サーバ</a:t>
+            </a:r>
+          </a:p>
+        </p:txBody>
+      </p:sp>
+      <p:sp>
+        <p:nvSpPr>
+          <p:cNvPr id="15" name="テキスト ボックス 14"/>
+          <p:cNvSpPr txBox="1"/>
+          <p:nvPr/>
+        </p:nvSpPr>
+        <p:spPr>
+          <a:xfrm>
+            <a:off x="6732240" y="2420888"/>
+            <a:ext cx="1067921" cy="461665"/>
+          </a:xfrm>
+          <a:prstGeom prst="rect">
+            <a:avLst/>
+          </a:prstGeom>
+          <a:noFill/>
+        </p:spPr>
+        <p:txBody>
+          <a:bodyPr wrap="none" rtlCol="0">
+            <a:spAutoFit/>
+          </a:bodyPr>
+          <a:lstStyle/>
+          <a:p>
+            <a:r>
+              <a:rPr kumimoji="1" lang="en-US" altLang="ja-JP" sz="2400" dirty="0" smtClean="0"/>
+              <a:t>GitHub</a:t>
+            </a:r>
+            <a:endParaRPr kumimoji="1" lang="ja-JP" altLang="en-US" sz="2400" dirty="0" smtClean="0"/>
+          </a:p>
+        </p:txBody>
+      </p:sp>
+      <p:pic>
+        <p:nvPicPr>
+          <p:cNvPr id="16" name="Picture 2" descr="家の鍵のイラスト（ディスクシリンダー）"/>
+          <p:cNvPicPr>
+            <a:picLocks noChangeAspect="1" noChangeArrowheads="1"/>
+          </p:cNvPicPr>
+          <p:nvPr/>
+        </p:nvPicPr>
+        <p:blipFill>
+          <a:blip r:embed="rId5">
+            <a:extLst>
+              <a:ext uri="{28A0092B-C50C-407E-A947-70E740481C1C}">
+                <a14:useLocalDpi xmlns:a14="http://schemas.microsoft.com/office/drawing/2010/main" val="0"/>
+              </a:ext>
+            </a:extLst>
+          </a:blip>
+          <a:srcRect/>
+          <a:stretch>
+            <a:fillRect/>
+          </a:stretch>
+        </p:blipFill>
+        <p:spPr bwMode="auto">
+          <a:xfrm>
+            <a:off x="3851920" y="4221088"/>
+            <a:ext cx="780087" cy="780087"/>
+          </a:xfrm>
+          <a:prstGeom prst="rect">
+            <a:avLst/>
+          </a:prstGeom>
+          <a:noFill/>
+          <a:extLst>
+            <a:ext uri="{909E8E84-426E-40DD-AFC4-6F175D3DCCD1}">
+              <a14:hiddenFill xmlns:a14="http://schemas.microsoft.com/office/drawing/2010/main">
+                <a:solidFill>
+                  <a:srgbClr val="FFFFFF"/>
+                </a:solidFill>
+              </a14:hiddenFill>
+            </a:ext>
+          </a:extLst>
+        </p:spPr>
+      </p:pic>
+      <p:sp>
+        <p:nvSpPr>
+          <p:cNvPr id="17" name="左右矢印 16"/>
+          <p:cNvSpPr/>
+          <p:nvPr/>
+        </p:nvSpPr>
+        <p:spPr>
+          <a:xfrm rot="20700000">
+            <a:off x="5052833" y="3902907"/>
+            <a:ext cx="1512168" cy="576064"/>
+          </a:xfrm>
+          <a:prstGeom prst="leftRightArrow">
+            <a:avLst/>
+          </a:prstGeom>
+          <a:ln>
+            <a:solidFill>
+              <a:schemeClr val="tx1"/>
+            </a:solidFill>
+          </a:ln>
+        </p:spPr>
+        <p:txBody>
+          <a:bodyPr wrap="square" rtlCol="0" anchor="ctr">
+            <a:spAutoFit/>
+          </a:bodyPr>
+          <a:lstStyle/>
+          <a:p>
+            <a:pPr algn="ctr"/>
+            <a:endParaRPr kumimoji="1" lang="ja-JP" altLang="en-US" sz="2400" dirty="0" smtClean="0"/>
+          </a:p>
+        </p:txBody>
+      </p:sp>
+      <p:pic>
+        <p:nvPicPr>
+          <p:cNvPr id="4098" name="Picture 2" descr="「ダメ」のポーズをする人のイラスト（女性）"/>
           <p:cNvPicPr>
             <a:picLocks noChangeAspect="1" noChangeArrowheads="1"/>
           </p:cNvPicPr>
@@ -2437,8 +2491,8 @@
         </p:blipFill>
         <p:spPr bwMode="auto">
           <a:xfrm>
-            <a:off x="3707904" y="4221088"/>
-            <a:ext cx="936104" cy="936104"/>
+            <a:off x="1259632" y="5136232"/>
+            <a:ext cx="1437676" cy="1721768"/>
           </a:xfrm>
           <a:prstGeom prst="rect">
             <a:avLst/>
@@ -2455,160 +2509,16 @@
           </a:extLst>
         </p:spPr>
       </p:pic>
-      <p:pic>
-        <p:nvPicPr>
-          <p:cNvPr id="2054" name="Picture 6" descr="ハート型の南京錠のイラスト"/>
-          <p:cNvPicPr>
-            <a:picLocks noChangeAspect="1" noChangeArrowheads="1"/>
-          </p:cNvPicPr>
-          <p:nvPr/>
-        </p:nvPicPr>
-        <p:blipFill>
-          <a:blip r:embed="rId8">
-            <a:extLst>
-              <a:ext uri="{28A0092B-C50C-407E-A947-70E740481C1C}">
-                <a14:useLocalDpi xmlns:a14="http://schemas.microsoft.com/office/drawing/2010/main" val="0"/>
-              </a:ext>
-            </a:extLst>
-          </a:blip>
-          <a:srcRect/>
-          <a:stretch>
-            <a:fillRect/>
-          </a:stretch>
-        </p:blipFill>
-        <p:spPr bwMode="auto">
-          <a:xfrm>
-            <a:off x="6876256" y="4149080"/>
-            <a:ext cx="922412" cy="922412"/>
-          </a:xfrm>
-          <a:prstGeom prst="rect">
-            <a:avLst/>
-          </a:prstGeom>
-          <a:noFill/>
-          <a:extLst>
-            <a:ext uri="{909E8E84-426E-40DD-AFC4-6F175D3DCCD1}">
-              <a14:hiddenFill xmlns:a14="http://schemas.microsoft.com/office/drawing/2010/main">
-                <a:solidFill>
-                  <a:srgbClr val="FFFFFF"/>
-                </a:solidFill>
-              </a14:hiddenFill>
-            </a:ext>
-          </a:extLst>
-        </p:spPr>
-      </p:pic>
-      <p:sp>
-        <p:nvSpPr>
-          <p:cNvPr id="11" name="左右矢印 10"/>
-          <p:cNvSpPr/>
-          <p:nvPr/>
-        </p:nvSpPr>
-        <p:spPr>
-          <a:xfrm>
-            <a:off x="2051720" y="3356992"/>
-            <a:ext cx="1512168" cy="576064"/>
-          </a:xfrm>
-          <a:prstGeom prst="leftRightArrow">
-            <a:avLst/>
-          </a:prstGeom>
-          <a:ln>
-            <a:solidFill>
-              <a:schemeClr val="tx1"/>
-            </a:solidFill>
-          </a:ln>
-        </p:spPr>
-        <p:txBody>
-          <a:bodyPr wrap="square" rtlCol="0" anchor="ctr">
-            <a:spAutoFit/>
-          </a:bodyPr>
-          <a:lstStyle/>
-          <a:p>
-            <a:pPr algn="ctr"/>
-            <a:endParaRPr kumimoji="1" lang="ja-JP" altLang="en-US" sz="2400" dirty="0" smtClean="0"/>
-          </a:p>
-        </p:txBody>
-      </p:sp>
-      <p:sp>
-        <p:nvSpPr>
-          <p:cNvPr id="12" name="左右矢印 11"/>
-          <p:cNvSpPr/>
-          <p:nvPr/>
-        </p:nvSpPr>
-        <p:spPr>
-          <a:xfrm>
-            <a:off x="5076056" y="4437112"/>
-            <a:ext cx="1512168" cy="576064"/>
-          </a:xfrm>
-          <a:prstGeom prst="leftRightArrow">
-            <a:avLst/>
-          </a:prstGeom>
-          <a:ln>
-            <a:solidFill>
-              <a:schemeClr val="tx1"/>
-            </a:solidFill>
-          </a:ln>
-        </p:spPr>
-        <p:txBody>
-          <a:bodyPr wrap="square" rtlCol="0" anchor="ctr">
-            <a:spAutoFit/>
-          </a:bodyPr>
-          <a:lstStyle/>
-          <a:p>
-            <a:pPr algn="ctr"/>
-            <a:endParaRPr kumimoji="1" lang="ja-JP" altLang="en-US" sz="2400" dirty="0" smtClean="0"/>
-          </a:p>
-        </p:txBody>
-      </p:sp>
-      <p:pic>
-        <p:nvPicPr>
-          <p:cNvPr id="13" name="Picture 4" descr="シンプルな南京錠のイラスト"/>
-          <p:cNvPicPr>
-            <a:picLocks noChangeAspect="1" noChangeArrowheads="1"/>
-          </p:cNvPicPr>
-          <p:nvPr/>
-        </p:nvPicPr>
-        <p:blipFill>
-          <a:blip r:embed="rId6">
-            <a:extLst>
-              <a:ext uri="{28A0092B-C50C-407E-A947-70E740481C1C}">
-                <a14:useLocalDpi xmlns:a14="http://schemas.microsoft.com/office/drawing/2010/main" val="0"/>
-              </a:ext>
-            </a:extLst>
-          </a:blip>
-          <a:srcRect/>
-          <a:stretch>
-            <a:fillRect/>
-          </a:stretch>
-        </p:blipFill>
-        <p:spPr bwMode="auto">
-          <a:xfrm>
-            <a:off x="6876256" y="3068960"/>
-            <a:ext cx="936104" cy="936104"/>
-          </a:xfrm>
-          <a:prstGeom prst="rect">
-            <a:avLst/>
-          </a:prstGeom>
-          <a:noFill/>
-          <a:extLst>
-            <a:ext uri="{909E8E84-426E-40DD-AFC4-6F175D3DCCD1}">
-              <a14:hiddenFill xmlns:a14="http://schemas.microsoft.com/office/drawing/2010/main">
-                <a:solidFill>
-                  <a:srgbClr val="FFFFFF"/>
-                </a:solidFill>
-              </a14:hiddenFill>
-            </a:ext>
-          </a:extLst>
-        </p:spPr>
-      </p:pic>
-      <p:sp>
-        <p:nvSpPr>
-          <p:cNvPr id="14" name="テキスト ボックス 13"/>
+      <p:sp>
+        <p:nvSpPr>
+          <p:cNvPr id="18" name="テキスト ボックス 17"/>
           <p:cNvSpPr txBox="1"/>
           <p:nvPr/>
         </p:nvSpPr>
         <p:spPr>
           <a:xfrm>
-            <a:off x="683568" y="2420888"/>
-            <a:ext cx="1085554" cy="461665"/>
+            <a:off x="2987824" y="5733256"/>
+            <a:ext cx="3392275" cy="646331"/>
           </a:xfrm>
           <a:prstGeom prst="rect">
             <a:avLst/>
@@ -2622,156 +2532,16 @@
           <a:lstStyle/>
           <a:p>
             <a:r>
-              <a:rPr lang="ja-JP" altLang="en-US" sz="2400" dirty="0"/>
-              <a:t>ユーザ</a:t>
-            </a:r>
-            <a:endParaRPr kumimoji="1" lang="ja-JP" altLang="en-US" sz="2400" dirty="0" smtClean="0"/>
-          </a:p>
-        </p:txBody>
-      </p:sp>
-      <p:sp>
-        <p:nvSpPr>
-          <p:cNvPr id="15" name="テキスト ボックス 14"/>
-          <p:cNvSpPr txBox="1"/>
-          <p:nvPr/>
-        </p:nvSpPr>
-        <p:spPr>
-          <a:xfrm>
-            <a:off x="3707904" y="2420888"/>
-            <a:ext cx="1096775" cy="461665"/>
-          </a:xfrm>
-          <a:prstGeom prst="rect">
-            <a:avLst/>
-          </a:prstGeom>
-          <a:noFill/>
-        </p:spPr>
-        <p:txBody>
-          <a:bodyPr wrap="none" rtlCol="0">
-            <a:spAutoFit/>
-          </a:bodyPr>
-          <a:lstStyle/>
-          <a:p>
-            <a:r>
-              <a:rPr kumimoji="1" lang="ja-JP" altLang="en-US" sz="2400" dirty="0" smtClean="0"/>
-              <a:t>サーバ</a:t>
-            </a:r>
-            <a:endParaRPr kumimoji="1" lang="ja-JP" altLang="en-US" sz="2400" dirty="0" smtClean="0"/>
-          </a:p>
-        </p:txBody>
-      </p:sp>
-      <p:sp>
-        <p:nvSpPr>
-          <p:cNvPr id="16" name="テキスト ボックス 15"/>
-          <p:cNvSpPr txBox="1"/>
-          <p:nvPr/>
-        </p:nvSpPr>
-        <p:spPr>
-          <a:xfrm>
-            <a:off x="6732240" y="2420888"/>
-            <a:ext cx="1067921" cy="461665"/>
-          </a:xfrm>
-          <a:prstGeom prst="rect">
-            <a:avLst/>
-          </a:prstGeom>
-          <a:noFill/>
-        </p:spPr>
-        <p:txBody>
-          <a:bodyPr wrap="none" rtlCol="0">
-            <a:spAutoFit/>
-          </a:bodyPr>
-          <a:lstStyle/>
-          <a:p>
-            <a:r>
-              <a:rPr kumimoji="1" lang="en-US" altLang="ja-JP" sz="2400" dirty="0" smtClean="0"/>
-              <a:t>GitHub</a:t>
-            </a:r>
-            <a:endParaRPr kumimoji="1" lang="ja-JP" altLang="en-US" sz="2400" dirty="0" smtClean="0"/>
-          </a:p>
-        </p:txBody>
-      </p:sp>
-      <p:pic>
-        <p:nvPicPr>
-          <p:cNvPr id="17" name="Picture 2" descr="「ダメ」のポーズをする人のイラスト（女性）"/>
-          <p:cNvPicPr>
-            <a:picLocks noChangeAspect="1" noChangeArrowheads="1"/>
-          </p:cNvPicPr>
-          <p:nvPr/>
-        </p:nvPicPr>
-        <p:blipFill>
-          <a:blip r:embed="rId9">
-            <a:extLst>
-              <a:ext uri="{28A0092B-C50C-407E-A947-70E740481C1C}">
-                <a14:useLocalDpi xmlns:a14="http://schemas.microsoft.com/office/drawing/2010/main" val="0"/>
-              </a:ext>
-            </a:extLst>
-          </a:blip>
-          <a:srcRect/>
-          <a:stretch>
-            <a:fillRect/>
-          </a:stretch>
-        </p:blipFill>
-        <p:spPr bwMode="auto">
-          <a:xfrm>
-            <a:off x="1259632" y="5136232"/>
-            <a:ext cx="1437676" cy="1721768"/>
-          </a:xfrm>
-          <a:prstGeom prst="rect">
-            <a:avLst/>
-          </a:prstGeom>
-          <a:noFill/>
-          <a:extLst>
-            <a:ext uri="{909E8E84-426E-40DD-AFC4-6F175D3DCCD1}">
-              <a14:hiddenFill xmlns:a14="http://schemas.microsoft.com/office/drawing/2010/main">
-                <a:solidFill>
-                  <a:srgbClr val="FFFFFF"/>
-                </a:solidFill>
-              </a14:hiddenFill>
-            </a:ext>
-          </a:extLst>
-        </p:spPr>
-      </p:pic>
-      <p:sp>
-        <p:nvSpPr>
-          <p:cNvPr id="18" name="テキスト ボックス 17"/>
-          <p:cNvSpPr txBox="1"/>
-          <p:nvPr/>
-        </p:nvSpPr>
-        <p:spPr>
-          <a:xfrm>
-            <a:off x="2987824" y="5733256"/>
-            <a:ext cx="4584909" cy="646331"/>
-          </a:xfrm>
-          <a:prstGeom prst="rect">
-            <a:avLst/>
-          </a:prstGeom>
-          <a:noFill/>
-        </p:spPr>
-        <p:txBody>
-          <a:bodyPr wrap="none" rtlCol="0">
-            <a:spAutoFit/>
-          </a:bodyPr>
-          <a:lstStyle/>
-          <a:p>
-            <a:r>
               <a:rPr kumimoji="1" lang="ja-JP" altLang="en-US" sz="3600" dirty="0" smtClean="0"/>
-              <a:t>案</a:t>
-            </a:r>
-            <a:r>
-              <a:rPr kumimoji="1" lang="en-US" altLang="ja-JP" sz="3600" dirty="0" smtClean="0"/>
-              <a:t>1</a:t>
-            </a:r>
-            <a:r>
-              <a:rPr kumimoji="1" lang="ja-JP" altLang="en-US" sz="3600" dirty="0" smtClean="0"/>
-              <a:t>よりマシだけどダメ</a:t>
-            </a:r>
-            <a:endParaRPr kumimoji="1" lang="ja-JP" altLang="en-US" sz="3600" dirty="0" smtClean="0"/>
+              <a:t>ダメ！ゼッタイ！</a:t>
+            </a:r>
           </a:p>
         </p:txBody>
       </p:sp>
     </p:spTree>
     <p:extLst>
       <p:ext uri="{BB962C8B-B14F-4D97-AF65-F5344CB8AC3E}">
-        <p14:creationId xmlns:p14="http://schemas.microsoft.com/office/powerpoint/2010/main" val="78570109"/>
+        <p14:creationId xmlns:p14="http://schemas.microsoft.com/office/powerpoint/2010/main" val="2914415932"/>
       </p:ext>
     </p:extLst>
   </p:cSld>
@@ -2882,7 +2652,7 @@
       </p:pic>
       <p:pic>
         <p:nvPicPr>
-          <p:cNvPr id="4" name="Picture 2" descr="サーバのイラスト（青）"/>
+          <p:cNvPr id="2050" name="Picture 2" descr="サーバのイラスト（青）"/>
           <p:cNvPicPr>
             <a:picLocks noChangeAspect="1" noChangeArrowheads="1"/>
           </p:cNvPicPr>
@@ -2921,9 +2691,47 @@
           </a:extLst>
         </p:spPr>
       </p:pic>
+      <p:sp>
+        <p:nvSpPr>
+          <p:cNvPr id="5" name="テキスト ボックス 4"/>
+          <p:cNvSpPr txBox="1"/>
+          <p:nvPr/>
+        </p:nvSpPr>
+        <p:spPr>
+          <a:xfrm>
+            <a:off x="251520" y="303039"/>
+            <a:ext cx="8545929" cy="461665"/>
+          </a:xfrm>
+          <a:prstGeom prst="rect">
+            <a:avLst/>
+          </a:prstGeom>
+          <a:noFill/>
+        </p:spPr>
+        <p:txBody>
+          <a:bodyPr wrap="none" rtlCol="0">
+            <a:spAutoFit/>
+          </a:bodyPr>
+          <a:lstStyle/>
+          <a:p>
+            <a:r>
+              <a:rPr lang="ja-JP" altLang="en-US" sz="2400" dirty="0" smtClean="0"/>
+              <a:t>案</a:t>
+            </a:r>
+            <a:r>
+              <a:rPr lang="en-US" altLang="ja-JP" sz="2400" dirty="0" smtClean="0"/>
+              <a:t>2</a:t>
+            </a:r>
+            <a:r>
+              <a:rPr lang="ja-JP" altLang="en-US" sz="2400" dirty="0" smtClean="0"/>
+              <a:t>：サーバに別の秘密鍵を置き、対応する公開鍵を登録しておく</a:t>
+            </a:r>
+            <a:endParaRPr kumimoji="1" lang="ja-JP" altLang="en-US" sz="2400" dirty="0" smtClean="0"/>
+          </a:p>
+        </p:txBody>
+      </p:sp>
       <p:pic>
         <p:nvPicPr>
-          <p:cNvPr id="5" name="Picture 2" descr="家の鍵のイラスト（ディスクシリンダー）"/>
+          <p:cNvPr id="7" name="Picture 2" descr="家の鍵のイラスト（ディスクシリンダー）"/>
           <p:cNvPicPr>
             <a:picLocks noChangeAspect="1" noChangeArrowheads="1"/>
           </p:cNvPicPr>
@@ -2944,7 +2752,7 @@
         </p:blipFill>
         <p:spPr bwMode="auto">
           <a:xfrm>
-            <a:off x="827584" y="3068960"/>
+            <a:off x="827584" y="3212976"/>
             <a:ext cx="780087" cy="780087"/>
           </a:xfrm>
           <a:prstGeom prst="rect">
@@ -2964,7 +2772,7 @@
       </p:pic>
       <p:pic>
         <p:nvPicPr>
-          <p:cNvPr id="6" name="Picture 4" descr="シンプルな南京錠のイラスト"/>
+          <p:cNvPr id="8" name="Picture 4" descr="シンプルな南京錠のイラスト"/>
           <p:cNvPicPr>
             <a:picLocks noChangeAspect="1" noChangeArrowheads="1"/>
           </p:cNvPicPr>
@@ -2985,7 +2793,7 @@
         </p:blipFill>
         <p:spPr bwMode="auto">
           <a:xfrm>
-            <a:off x="3779912" y="2924944"/>
+            <a:off x="3779912" y="3068960"/>
             <a:ext cx="936104" cy="936104"/>
           </a:xfrm>
           <a:prstGeom prst="rect">
@@ -3003,15 +2811,97 @@
           </a:extLst>
         </p:spPr>
       </p:pic>
-      <p:sp>
-        <p:nvSpPr>
-          <p:cNvPr id="7" name="左右矢印 6"/>
+      <p:pic>
+        <p:nvPicPr>
+          <p:cNvPr id="2052" name="Picture 4" descr="鍵のイラスト"/>
+          <p:cNvPicPr>
+            <a:picLocks noChangeAspect="1" noChangeArrowheads="1"/>
+          </p:cNvPicPr>
+          <p:nvPr/>
+        </p:nvPicPr>
+        <p:blipFill>
+          <a:blip r:embed="rId7">
+            <a:extLst>
+              <a:ext uri="{28A0092B-C50C-407E-A947-70E740481C1C}">
+                <a14:useLocalDpi xmlns:a14="http://schemas.microsoft.com/office/drawing/2010/main" val="0"/>
+              </a:ext>
+            </a:extLst>
+          </a:blip>
+          <a:srcRect/>
+          <a:stretch>
+            <a:fillRect/>
+          </a:stretch>
+        </p:blipFill>
+        <p:spPr bwMode="auto">
+          <a:xfrm>
+            <a:off x="3707904" y="4221088"/>
+            <a:ext cx="936104" cy="936104"/>
+          </a:xfrm>
+          <a:prstGeom prst="rect">
+            <a:avLst/>
+          </a:prstGeom>
+          <a:noFill/>
+          <a:extLst>
+            <a:ext uri="{909E8E84-426E-40DD-AFC4-6F175D3DCCD1}">
+              <a14:hiddenFill xmlns:a14="http://schemas.microsoft.com/office/drawing/2010/main">
+                <a:solidFill>
+                  <a:srgbClr val="FFFFFF"/>
+                </a:solidFill>
+              </a14:hiddenFill>
+            </a:ext>
+          </a:extLst>
+        </p:spPr>
+      </p:pic>
+      <p:pic>
+        <p:nvPicPr>
+          <p:cNvPr id="2054" name="Picture 6" descr="ハート型の南京錠のイラスト"/>
+          <p:cNvPicPr>
+            <a:picLocks noChangeAspect="1" noChangeArrowheads="1"/>
+          </p:cNvPicPr>
+          <p:nvPr/>
+        </p:nvPicPr>
+        <p:blipFill>
+          <a:blip r:embed="rId8">
+            <a:extLst>
+              <a:ext uri="{28A0092B-C50C-407E-A947-70E740481C1C}">
+                <a14:useLocalDpi xmlns:a14="http://schemas.microsoft.com/office/drawing/2010/main" val="0"/>
+              </a:ext>
+            </a:extLst>
+          </a:blip>
+          <a:srcRect/>
+          <a:stretch>
+            <a:fillRect/>
+          </a:stretch>
+        </p:blipFill>
+        <p:spPr bwMode="auto">
+          <a:xfrm>
+            <a:off x="6876256" y="4149080"/>
+            <a:ext cx="922412" cy="922412"/>
+          </a:xfrm>
+          <a:prstGeom prst="rect">
+            <a:avLst/>
+          </a:prstGeom>
+          <a:noFill/>
+          <a:extLst>
+            <a:ext uri="{909E8E84-426E-40DD-AFC4-6F175D3DCCD1}">
+              <a14:hiddenFill xmlns:a14="http://schemas.microsoft.com/office/drawing/2010/main">
+                <a:solidFill>
+                  <a:srgbClr val="FFFFFF"/>
+                </a:solidFill>
+              </a14:hiddenFill>
+            </a:ext>
+          </a:extLst>
+        </p:spPr>
+      </p:pic>
+      <p:sp>
+        <p:nvSpPr>
+          <p:cNvPr id="11" name="左右矢印 10"/>
           <p:cNvSpPr/>
           <p:nvPr/>
         </p:nvSpPr>
         <p:spPr>
           <a:xfrm>
-            <a:off x="2051720" y="3212976"/>
+            <a:off x="2051720" y="3356992"/>
             <a:ext cx="1512168" cy="576064"/>
           </a:xfrm>
           <a:prstGeom prst="leftRightArrow">
@@ -3034,9 +2924,40 @@
           </a:p>
         </p:txBody>
       </p:sp>
+      <p:sp>
+        <p:nvSpPr>
+          <p:cNvPr id="12" name="左右矢印 11"/>
+          <p:cNvSpPr/>
+          <p:nvPr/>
+        </p:nvSpPr>
+        <p:spPr>
+          <a:xfrm>
+            <a:off x="5076056" y="4437112"/>
+            <a:ext cx="1512168" cy="576064"/>
+          </a:xfrm>
+          <a:prstGeom prst="leftRightArrow">
+            <a:avLst/>
+          </a:prstGeom>
+          <a:ln>
+            <a:solidFill>
+              <a:schemeClr val="tx1"/>
+            </a:solidFill>
+          </a:ln>
+        </p:spPr>
+        <p:txBody>
+          <a:bodyPr wrap="square" rtlCol="0" anchor="ctr">
+            <a:spAutoFit/>
+          </a:bodyPr>
+          <a:lstStyle/>
+          <a:p>
+            <a:pPr algn="ctr"/>
+            <a:endParaRPr kumimoji="1" lang="ja-JP" altLang="en-US" sz="2400" dirty="0" smtClean="0"/>
+          </a:p>
+        </p:txBody>
+      </p:sp>
       <p:pic>
         <p:nvPicPr>
-          <p:cNvPr id="8" name="Picture 4" descr="シンプルな南京錠のイラスト"/>
+          <p:cNvPr id="13" name="Picture 4" descr="シンプルな南京錠のイラスト"/>
           <p:cNvPicPr>
             <a:picLocks noChangeAspect="1" noChangeArrowheads="1"/>
           </p:cNvPicPr>
@@ -3057,7 +2978,7 @@
         </p:blipFill>
         <p:spPr bwMode="auto">
           <a:xfrm>
-            <a:off x="6732240" y="2996952"/>
+            <a:off x="6876256" y="3068960"/>
             <a:ext cx="936104" cy="936104"/>
           </a:xfrm>
           <a:prstGeom prst="rect">
@@ -3077,7 +2998,7 @@
       </p:pic>
       <p:sp>
         <p:nvSpPr>
-          <p:cNvPr id="9" name="テキスト ボックス 8"/>
+          <p:cNvPr id="14" name="テキスト ボックス 13"/>
           <p:cNvSpPr txBox="1"/>
           <p:nvPr/>
         </p:nvSpPr>
@@ -3107,7 +3028,7 @@
       </p:sp>
       <p:sp>
         <p:nvSpPr>
-          <p:cNvPr id="10" name="テキスト ボックス 9"/>
+          <p:cNvPr id="15" name="テキスト ボックス 14"/>
           <p:cNvSpPr txBox="1"/>
           <p:nvPr/>
         </p:nvSpPr>
@@ -3131,13 +3052,12 @@
               <a:rPr kumimoji="1" lang="ja-JP" altLang="en-US" sz="2400" dirty="0" smtClean="0"/>
               <a:t>サーバ</a:t>
             </a:r>
-            <a:endParaRPr kumimoji="1" lang="ja-JP" altLang="en-US" sz="2400" dirty="0" smtClean="0"/>
-          </a:p>
-        </p:txBody>
-      </p:sp>
-      <p:sp>
-        <p:nvSpPr>
-          <p:cNvPr id="11" name="テキスト ボックス 10"/>
+          </a:p>
+        </p:txBody>
+      </p:sp>
+      <p:sp>
+        <p:nvSpPr>
+          <p:cNvPr id="16" name="テキスト ボックス 15"/>
           <p:cNvSpPr txBox="1"/>
           <p:nvPr/>
         </p:nvSpPr>
@@ -3167,7 +3087,238 @@
       </p:sp>
       <p:pic>
         <p:nvPicPr>
-          <p:cNvPr id="13" name="Picture 2" descr="家の鍵のイラスト（ディスクシリンダー）"/>
+          <p:cNvPr id="17" name="Picture 2" descr="「ダメ」のポーズをする人のイラスト（女性）"/>
+          <p:cNvPicPr>
+            <a:picLocks noChangeAspect="1" noChangeArrowheads="1"/>
+          </p:cNvPicPr>
+          <p:nvPr/>
+        </p:nvPicPr>
+        <p:blipFill>
+          <a:blip r:embed="rId9">
+            <a:extLst>
+              <a:ext uri="{28A0092B-C50C-407E-A947-70E740481C1C}">
+                <a14:useLocalDpi xmlns:a14="http://schemas.microsoft.com/office/drawing/2010/main" val="0"/>
+              </a:ext>
+            </a:extLst>
+          </a:blip>
+          <a:srcRect/>
+          <a:stretch>
+            <a:fillRect/>
+          </a:stretch>
+        </p:blipFill>
+        <p:spPr bwMode="auto">
+          <a:xfrm>
+            <a:off x="1259632" y="5136232"/>
+            <a:ext cx="1437676" cy="1721768"/>
+          </a:xfrm>
+          <a:prstGeom prst="rect">
+            <a:avLst/>
+          </a:prstGeom>
+          <a:noFill/>
+          <a:extLst>
+            <a:ext uri="{909E8E84-426E-40DD-AFC4-6F175D3DCCD1}">
+              <a14:hiddenFill xmlns:a14="http://schemas.microsoft.com/office/drawing/2010/main">
+                <a:solidFill>
+                  <a:srgbClr val="FFFFFF"/>
+                </a:solidFill>
+              </a14:hiddenFill>
+            </a:ext>
+          </a:extLst>
+        </p:spPr>
+      </p:pic>
+      <p:sp>
+        <p:nvSpPr>
+          <p:cNvPr id="18" name="テキスト ボックス 17"/>
+          <p:cNvSpPr txBox="1"/>
+          <p:nvPr/>
+        </p:nvSpPr>
+        <p:spPr>
+          <a:xfrm>
+            <a:off x="2987824" y="5733256"/>
+            <a:ext cx="4584909" cy="646331"/>
+          </a:xfrm>
+          <a:prstGeom prst="rect">
+            <a:avLst/>
+          </a:prstGeom>
+          <a:noFill/>
+        </p:spPr>
+        <p:txBody>
+          <a:bodyPr wrap="none" rtlCol="0">
+            <a:spAutoFit/>
+          </a:bodyPr>
+          <a:lstStyle/>
+          <a:p>
+            <a:r>
+              <a:rPr kumimoji="1" lang="ja-JP" altLang="en-US" sz="3600" dirty="0" smtClean="0"/>
+              <a:t>案</a:t>
+            </a:r>
+            <a:r>
+              <a:rPr kumimoji="1" lang="en-US" altLang="ja-JP" sz="3600" dirty="0" smtClean="0"/>
+              <a:t>1</a:t>
+            </a:r>
+            <a:r>
+              <a:rPr kumimoji="1" lang="ja-JP" altLang="en-US" sz="3600" dirty="0" smtClean="0"/>
+              <a:t>よりマシだけどダメ</a:t>
+            </a:r>
+          </a:p>
+        </p:txBody>
+      </p:sp>
+    </p:spTree>
+    <p:extLst>
+      <p:ext uri="{BB962C8B-B14F-4D97-AF65-F5344CB8AC3E}">
+        <p14:creationId xmlns:p14="http://schemas.microsoft.com/office/powerpoint/2010/main" val="78570109"/>
+      </p:ext>
+    </p:extLst>
+  </p:cSld>
+  <p:clrMapOvr>
+    <a:masterClrMapping/>
+  </p:clrMapOvr>
+</p:sld>
+</file>
+
+<file path=ppt/slides/slide6.xml><?xml version="1.0" encoding="utf-8"?>
+<p:sld xmlns:a="http://schemas.openxmlformats.org/drawingml/2006/main" xmlns:r="http://schemas.openxmlformats.org/officeDocument/2006/relationships" xmlns:p="http://schemas.openxmlformats.org/presentationml/2006/main">
+  <p:cSld>
+    <p:spTree>
+      <p:nvGrpSpPr>
+        <p:cNvPr id="1" name=""/>
+        <p:cNvGrpSpPr/>
+        <p:nvPr/>
+      </p:nvGrpSpPr>
+      <p:grpSpPr>
+        <a:xfrm>
+          <a:off x="0" y="0"/>
+          <a:ext cx="0" cy="0"/>
+          <a:chOff x="0" y="0"/>
+          <a:chExt cx="0" cy="0"/>
+        </a:xfrm>
+      </p:grpSpPr>
+      <p:pic>
+        <p:nvPicPr>
+          <p:cNvPr id="2" name="Picture 8" descr="パソコンを使う女性のイラスト"/>
+          <p:cNvPicPr>
+            <a:picLocks noChangeAspect="1" noChangeArrowheads="1"/>
+          </p:cNvPicPr>
+          <p:nvPr/>
+        </p:nvPicPr>
+        <p:blipFill>
+          <a:blip r:embed="rId2">
+            <a:extLst>
+              <a:ext uri="{28A0092B-C50C-407E-A947-70E740481C1C}">
+                <a14:useLocalDpi xmlns:a14="http://schemas.microsoft.com/office/drawing/2010/main" val="0"/>
+              </a:ext>
+            </a:extLst>
+          </a:blip>
+          <a:srcRect/>
+          <a:stretch>
+            <a:fillRect/>
+          </a:stretch>
+        </p:blipFill>
+        <p:spPr bwMode="auto">
+          <a:xfrm>
+            <a:off x="683568" y="1196752"/>
+            <a:ext cx="1255812" cy="1262123"/>
+          </a:xfrm>
+          <a:prstGeom prst="rect">
+            <a:avLst/>
+          </a:prstGeom>
+          <a:noFill/>
+          <a:extLst>
+            <a:ext uri="{909E8E84-426E-40DD-AFC4-6F175D3DCCD1}">
+              <a14:hiddenFill xmlns:a14="http://schemas.microsoft.com/office/drawing/2010/main">
+                <a:solidFill>
+                  <a:srgbClr val="FFFFFF"/>
+                </a:solidFill>
+              </a14:hiddenFill>
+            </a:ext>
+          </a:extLst>
+        </p:spPr>
+      </p:pic>
+      <p:pic>
+        <p:nvPicPr>
+          <p:cNvPr id="3" name="Picture 6" descr="サーバのイラスト（グレー）"/>
+          <p:cNvPicPr>
+            <a:picLocks noChangeAspect="1" noChangeArrowheads="1"/>
+          </p:cNvPicPr>
+          <p:nvPr/>
+        </p:nvPicPr>
+        <p:blipFill>
+          <a:blip r:embed="rId3">
+            <a:extLst>
+              <a:ext uri="{28A0092B-C50C-407E-A947-70E740481C1C}">
+                <a14:useLocalDpi xmlns:a14="http://schemas.microsoft.com/office/drawing/2010/main" val="0"/>
+              </a:ext>
+            </a:extLst>
+          </a:blip>
+          <a:srcRect/>
+          <a:stretch>
+            <a:fillRect/>
+          </a:stretch>
+        </p:blipFill>
+        <p:spPr bwMode="auto">
+          <a:xfrm>
+            <a:off x="3923928" y="1268760"/>
+            <a:ext cx="741579" cy="1129308"/>
+          </a:xfrm>
+          <a:prstGeom prst="rect">
+            <a:avLst/>
+          </a:prstGeom>
+          <a:noFill/>
+          <a:extLst>
+            <a:ext uri="{909E8E84-426E-40DD-AFC4-6F175D3DCCD1}">
+              <a14:hiddenFill xmlns:a14="http://schemas.microsoft.com/office/drawing/2010/main">
+                <a:solidFill>
+                  <a:srgbClr val="FFFFFF"/>
+                </a:solidFill>
+              </a14:hiddenFill>
+            </a:ext>
+          </a:extLst>
+        </p:spPr>
+      </p:pic>
+      <p:pic>
+        <p:nvPicPr>
+          <p:cNvPr id="4" name="Picture 2" descr="サーバのイラスト（青）"/>
+          <p:cNvPicPr>
+            <a:picLocks noChangeAspect="1" noChangeArrowheads="1"/>
+          </p:cNvPicPr>
+          <p:nvPr/>
+        </p:nvPicPr>
+        <p:blipFill>
+          <a:blip r:embed="rId4">
+            <a:extLst>
+              <a:ext uri="{28A0092B-C50C-407E-A947-70E740481C1C}">
+                <a14:useLocalDpi xmlns:a14="http://schemas.microsoft.com/office/drawing/2010/main" val="0"/>
+              </a:ext>
+            </a:extLst>
+          </a:blip>
+          <a:srcRect/>
+          <a:stretch>
+            <a:fillRect/>
+          </a:stretch>
+        </p:blipFill>
+        <p:spPr bwMode="auto">
+          <a:xfrm>
+            <a:off x="6948264" y="1196752"/>
+            <a:ext cx="756564" cy="1152128"/>
+          </a:xfrm>
+          <a:prstGeom prst="rect">
+            <a:avLst/>
+          </a:prstGeom>
+          <a:noFill/>
+          <a:extLst>
+            <a:ext uri="{909E8E84-426E-40DD-AFC4-6F175D3DCCD1}">
+              <a14:hiddenFill xmlns:a14="http://schemas.microsoft.com/office/drawing/2010/main">
+                <a:solidFill>
+                  <a:srgbClr val="FFFFFF"/>
+                </a:solidFill>
+              </a14:hiddenFill>
+            </a:ext>
+          </a:extLst>
+        </p:spPr>
+      </p:pic>
+      <p:pic>
+        <p:nvPicPr>
+          <p:cNvPr id="5" name="Picture 2" descr="家の鍵のイラスト（ディスクシリンダー）"/>
           <p:cNvPicPr>
             <a:picLocks noChangeAspect="1" noChangeArrowheads="1"/>
           </p:cNvPicPr>
@@ -3188,6 +3339,249 @@
         </p:blipFill>
         <p:spPr bwMode="auto">
           <a:xfrm>
+            <a:off x="827584" y="3068960"/>
+            <a:ext cx="780087" cy="780087"/>
+          </a:xfrm>
+          <a:prstGeom prst="rect">
+            <a:avLst/>
+          </a:prstGeom>
+          <a:noFill/>
+          <a:extLst>
+            <a:ext uri="{909E8E84-426E-40DD-AFC4-6F175D3DCCD1}">
+              <a14:hiddenFill xmlns:a14="http://schemas.microsoft.com/office/drawing/2010/main">
+                <a:solidFill>
+                  <a:srgbClr val="FFFFFF"/>
+                </a:solidFill>
+              </a14:hiddenFill>
+            </a:ext>
+          </a:extLst>
+        </p:spPr>
+      </p:pic>
+      <p:pic>
+        <p:nvPicPr>
+          <p:cNvPr id="6" name="Picture 4" descr="シンプルな南京錠のイラスト"/>
+          <p:cNvPicPr>
+            <a:picLocks noChangeAspect="1" noChangeArrowheads="1"/>
+          </p:cNvPicPr>
+          <p:nvPr/>
+        </p:nvPicPr>
+        <p:blipFill>
+          <a:blip r:embed="rId6">
+            <a:extLst>
+              <a:ext uri="{28A0092B-C50C-407E-A947-70E740481C1C}">
+                <a14:useLocalDpi xmlns:a14="http://schemas.microsoft.com/office/drawing/2010/main" val="0"/>
+              </a:ext>
+            </a:extLst>
+          </a:blip>
+          <a:srcRect/>
+          <a:stretch>
+            <a:fillRect/>
+          </a:stretch>
+        </p:blipFill>
+        <p:spPr bwMode="auto">
+          <a:xfrm>
+            <a:off x="3779912" y="2924944"/>
+            <a:ext cx="936104" cy="936104"/>
+          </a:xfrm>
+          <a:prstGeom prst="rect">
+            <a:avLst/>
+          </a:prstGeom>
+          <a:noFill/>
+          <a:extLst>
+            <a:ext uri="{909E8E84-426E-40DD-AFC4-6F175D3DCCD1}">
+              <a14:hiddenFill xmlns:a14="http://schemas.microsoft.com/office/drawing/2010/main">
+                <a:solidFill>
+                  <a:srgbClr val="FFFFFF"/>
+                </a:solidFill>
+              </a14:hiddenFill>
+            </a:ext>
+          </a:extLst>
+        </p:spPr>
+      </p:pic>
+      <p:sp>
+        <p:nvSpPr>
+          <p:cNvPr id="7" name="左右矢印 6"/>
+          <p:cNvSpPr/>
+          <p:nvPr/>
+        </p:nvSpPr>
+        <p:spPr>
+          <a:xfrm>
+            <a:off x="2051720" y="3212976"/>
+            <a:ext cx="1512168" cy="576064"/>
+          </a:xfrm>
+          <a:prstGeom prst="leftRightArrow">
+            <a:avLst/>
+          </a:prstGeom>
+          <a:ln>
+            <a:solidFill>
+              <a:schemeClr val="tx1"/>
+            </a:solidFill>
+          </a:ln>
+        </p:spPr>
+        <p:txBody>
+          <a:bodyPr wrap="square" rtlCol="0" anchor="ctr">
+            <a:spAutoFit/>
+          </a:bodyPr>
+          <a:lstStyle/>
+          <a:p>
+            <a:pPr algn="ctr"/>
+            <a:endParaRPr kumimoji="1" lang="ja-JP" altLang="en-US" sz="2400" dirty="0" smtClean="0"/>
+          </a:p>
+        </p:txBody>
+      </p:sp>
+      <p:pic>
+        <p:nvPicPr>
+          <p:cNvPr id="8" name="Picture 4" descr="シンプルな南京錠のイラスト"/>
+          <p:cNvPicPr>
+            <a:picLocks noChangeAspect="1" noChangeArrowheads="1"/>
+          </p:cNvPicPr>
+          <p:nvPr/>
+        </p:nvPicPr>
+        <p:blipFill>
+          <a:blip r:embed="rId6">
+            <a:extLst>
+              <a:ext uri="{28A0092B-C50C-407E-A947-70E740481C1C}">
+                <a14:useLocalDpi xmlns:a14="http://schemas.microsoft.com/office/drawing/2010/main" val="0"/>
+              </a:ext>
+            </a:extLst>
+          </a:blip>
+          <a:srcRect/>
+          <a:stretch>
+            <a:fillRect/>
+          </a:stretch>
+        </p:blipFill>
+        <p:spPr bwMode="auto">
+          <a:xfrm>
+            <a:off x="6732240" y="2996952"/>
+            <a:ext cx="936104" cy="936104"/>
+          </a:xfrm>
+          <a:prstGeom prst="rect">
+            <a:avLst/>
+          </a:prstGeom>
+          <a:noFill/>
+          <a:extLst>
+            <a:ext uri="{909E8E84-426E-40DD-AFC4-6F175D3DCCD1}">
+              <a14:hiddenFill xmlns:a14="http://schemas.microsoft.com/office/drawing/2010/main">
+                <a:solidFill>
+                  <a:srgbClr val="FFFFFF"/>
+                </a:solidFill>
+              </a14:hiddenFill>
+            </a:ext>
+          </a:extLst>
+        </p:spPr>
+      </p:pic>
+      <p:sp>
+        <p:nvSpPr>
+          <p:cNvPr id="9" name="テキスト ボックス 8"/>
+          <p:cNvSpPr txBox="1"/>
+          <p:nvPr/>
+        </p:nvSpPr>
+        <p:spPr>
+          <a:xfrm>
+            <a:off x="683568" y="2420888"/>
+            <a:ext cx="1085554" cy="461665"/>
+          </a:xfrm>
+          <a:prstGeom prst="rect">
+            <a:avLst/>
+          </a:prstGeom>
+          <a:noFill/>
+        </p:spPr>
+        <p:txBody>
+          <a:bodyPr wrap="none" rtlCol="0">
+            <a:spAutoFit/>
+          </a:bodyPr>
+          <a:lstStyle/>
+          <a:p>
+            <a:r>
+              <a:rPr lang="ja-JP" altLang="en-US" sz="2400" dirty="0"/>
+              <a:t>ユーザ</a:t>
+            </a:r>
+            <a:endParaRPr kumimoji="1" lang="ja-JP" altLang="en-US" sz="2400" dirty="0" smtClean="0"/>
+          </a:p>
+        </p:txBody>
+      </p:sp>
+      <p:sp>
+        <p:nvSpPr>
+          <p:cNvPr id="10" name="テキスト ボックス 9"/>
+          <p:cNvSpPr txBox="1"/>
+          <p:nvPr/>
+        </p:nvSpPr>
+        <p:spPr>
+          <a:xfrm>
+            <a:off x="3707904" y="2420888"/>
+            <a:ext cx="1096775" cy="461665"/>
+          </a:xfrm>
+          <a:prstGeom prst="rect">
+            <a:avLst/>
+          </a:prstGeom>
+          <a:noFill/>
+        </p:spPr>
+        <p:txBody>
+          <a:bodyPr wrap="none" rtlCol="0">
+            <a:spAutoFit/>
+          </a:bodyPr>
+          <a:lstStyle/>
+          <a:p>
+            <a:r>
+              <a:rPr kumimoji="1" lang="ja-JP" altLang="en-US" sz="2400" dirty="0" smtClean="0"/>
+              <a:t>サーバ</a:t>
+            </a:r>
+          </a:p>
+        </p:txBody>
+      </p:sp>
+      <p:sp>
+        <p:nvSpPr>
+          <p:cNvPr id="11" name="テキスト ボックス 10"/>
+          <p:cNvSpPr txBox="1"/>
+          <p:nvPr/>
+        </p:nvSpPr>
+        <p:spPr>
+          <a:xfrm>
+            <a:off x="6732240" y="2420888"/>
+            <a:ext cx="1067921" cy="461665"/>
+          </a:xfrm>
+          <a:prstGeom prst="rect">
+            <a:avLst/>
+          </a:prstGeom>
+          <a:noFill/>
+        </p:spPr>
+        <p:txBody>
+          <a:bodyPr wrap="none" rtlCol="0">
+            <a:spAutoFit/>
+          </a:bodyPr>
+          <a:lstStyle/>
+          <a:p>
+            <a:r>
+              <a:rPr kumimoji="1" lang="en-US" altLang="ja-JP" sz="2400" dirty="0" smtClean="0"/>
+              <a:t>GitHub</a:t>
+            </a:r>
+            <a:endParaRPr kumimoji="1" lang="ja-JP" altLang="en-US" sz="2400" dirty="0" smtClean="0"/>
+          </a:p>
+        </p:txBody>
+      </p:sp>
+      <p:pic>
+        <p:nvPicPr>
+          <p:cNvPr id="13" name="Picture 2" descr="家の鍵のイラスト（ディスクシリンダー）"/>
+          <p:cNvPicPr>
+            <a:picLocks noChangeAspect="1" noChangeArrowheads="1"/>
+          </p:cNvPicPr>
+          <p:nvPr/>
+        </p:nvPicPr>
+        <p:blipFill>
+          <a:blip r:embed="rId5">
+            <a:extLst>
+              <a:ext uri="{28A0092B-C50C-407E-A947-70E740481C1C}">
+                <a14:useLocalDpi xmlns:a14="http://schemas.microsoft.com/office/drawing/2010/main" val="0"/>
+              </a:ext>
+            </a:extLst>
+          </a:blip>
+          <a:srcRect/>
+          <a:stretch>
+            <a:fillRect/>
+          </a:stretch>
+        </p:blipFill>
+        <p:spPr bwMode="auto">
+          <a:xfrm>
             <a:off x="3851920" y="4149080"/>
             <a:ext cx="780087" cy="780087"/>
           </a:xfrm>
@@ -3256,7 +3650,7 @@
         </p:nvSpPr>
         <p:spPr>
           <a:xfrm>
-            <a:off x="1907704" y="4725144"/>
+            <a:off x="2051720" y="4077072"/>
             <a:ext cx="800219" cy="461665"/>
           </a:xfrm>
           <a:prstGeom prst="rect">
@@ -3274,7 +3668,6 @@
               <a:rPr kumimoji="1" lang="ja-JP" altLang="en-US" sz="2400" dirty="0" smtClean="0"/>
               <a:t>転送</a:t>
             </a:r>
-            <a:endParaRPr kumimoji="1" lang="ja-JP" altLang="en-US" sz="2400" dirty="0" smtClean="0"/>
           </a:p>
         </p:txBody>
       </p:sp>
@@ -3366,6 +3759,81 @@
               <a:t>エージェント転送</a:t>
             </a:r>
             <a:endParaRPr lang="en-US" altLang="ja-JP" sz="3600" dirty="0" smtClean="0"/>
+          </a:p>
+        </p:txBody>
+      </p:sp>
+      <p:pic>
+        <p:nvPicPr>
+          <p:cNvPr id="1026" name="Picture 2" descr="走る配達員のイラスト（男性）"/>
+          <p:cNvPicPr>
+            <a:picLocks noChangeAspect="1" noChangeArrowheads="1"/>
+          </p:cNvPicPr>
+          <p:nvPr/>
+        </p:nvPicPr>
+        <p:blipFill>
+          <a:blip r:embed="rId7">
+            <a:extLst>
+              <a:ext uri="{28A0092B-C50C-407E-A947-70E740481C1C}">
+                <a14:useLocalDpi xmlns:a14="http://schemas.microsoft.com/office/drawing/2010/main" val="0"/>
+              </a:ext>
+            </a:extLst>
+          </a:blip>
+          <a:srcRect/>
+          <a:stretch>
+            <a:fillRect/>
+          </a:stretch>
+        </p:blipFill>
+        <p:spPr bwMode="auto">
+          <a:xfrm flipH="1">
+            <a:off x="1763688" y="4797152"/>
+            <a:ext cx="1224136" cy="1435937"/>
+          </a:xfrm>
+          <a:prstGeom prst="rect">
+            <a:avLst/>
+          </a:prstGeom>
+          <a:noFill/>
+          <a:extLst>
+            <a:ext uri="{909E8E84-426E-40DD-AFC4-6F175D3DCCD1}">
+              <a14:hiddenFill xmlns:a14="http://schemas.microsoft.com/office/drawing/2010/main">
+                <a:solidFill>
+                  <a:srgbClr val="FFFFFF"/>
+                </a:solidFill>
+              </a14:hiddenFill>
+            </a:ext>
+          </a:extLst>
+        </p:spPr>
+      </p:pic>
+      <p:sp>
+        <p:nvSpPr>
+          <p:cNvPr id="21" name="テキスト ボックス 20"/>
+          <p:cNvSpPr txBox="1"/>
+          <p:nvPr/>
+        </p:nvSpPr>
+        <p:spPr>
+          <a:xfrm>
+            <a:off x="1331640" y="6207695"/>
+            <a:ext cx="2204450" cy="461665"/>
+          </a:xfrm>
+          <a:prstGeom prst="rect">
+            <a:avLst/>
+          </a:prstGeom>
+          <a:noFill/>
+        </p:spPr>
+        <p:txBody>
+          <a:bodyPr wrap="none" rtlCol="0">
+            <a:spAutoFit/>
+          </a:bodyPr>
+          <a:lstStyle/>
+          <a:p>
+            <a:r>
+              <a:rPr kumimoji="1" lang="en-US" altLang="ja-JP" sz="2400" dirty="0" smtClean="0"/>
+              <a:t>SSH</a:t>
+            </a:r>
+            <a:r>
+              <a:rPr kumimoji="1" lang="ja-JP" altLang="en-US" sz="2400" dirty="0" smtClean="0"/>
+              <a:t>エージェント</a:t>
+            </a:r>
+            <a:endParaRPr kumimoji="1" lang="ja-JP" altLang="en-US" sz="2400" dirty="0" smtClean="0"/>
           </a:p>
         </p:txBody>
       </p:sp>
